--- a/Class 10.pptx
+++ b/Class 10.pptx
@@ -5,7 +5,7 @@
     <p:sldMasterId id="2147483672" r:id="rId1"/>
   </p:sldMasterIdLst>
   <p:notesMasterIdLst>
-    <p:notesMasterId r:id="rId15"/>
+    <p:notesMasterId r:id="rId19"/>
   </p:notesMasterIdLst>
   <p:sldIdLst>
     <p:sldId id="256" r:id="rId2"/>
@@ -15,12 +15,16 @@
     <p:sldId id="383" r:id="rId6"/>
     <p:sldId id="385" r:id="rId7"/>
     <p:sldId id="386" r:id="rId8"/>
-    <p:sldId id="384" r:id="rId9"/>
-    <p:sldId id="387" r:id="rId10"/>
-    <p:sldId id="388" r:id="rId11"/>
-    <p:sldId id="389" r:id="rId12"/>
-    <p:sldId id="390" r:id="rId13"/>
-    <p:sldId id="391" r:id="rId14"/>
+    <p:sldId id="392" r:id="rId9"/>
+    <p:sldId id="384" r:id="rId10"/>
+    <p:sldId id="394" r:id="rId11"/>
+    <p:sldId id="393" r:id="rId12"/>
+    <p:sldId id="391" r:id="rId13"/>
+    <p:sldId id="398" r:id="rId14"/>
+    <p:sldId id="390" r:id="rId15"/>
+    <p:sldId id="395" r:id="rId16"/>
+    <p:sldId id="396" r:id="rId17"/>
+    <p:sldId id="399" r:id="rId18"/>
   </p:sldIdLst>
   <p:sldSz cx="12192000" cy="6858000"/>
   <p:notesSz cx="6858000" cy="9144000"/>
@@ -2780,7 +2784,7 @@
           <a:p>
             <a:fld id="{91553857-FF24-F64E-8D31-96B246FE7FC7}" type="datetimeFigureOut">
               <a:rPr lang="en-US" smtClean="0"/>
-              <a:t>9/25/18</a:t>
+              <a:t>9/27/18</a:t>
             </a:fld>
             <a:endParaRPr lang="en-US"/>
           </a:p>
@@ -3216,7 +3220,7 @@
           <a:p>
             <a:fld id="{C42C6571-5E6A-784B-B936-D3B05221CD33}" type="datetimeFigureOut">
               <a:rPr lang="en-US" smtClean="0"/>
-              <a:t>9/25/18</a:t>
+              <a:t>9/27/18</a:t>
             </a:fld>
             <a:endParaRPr lang="en-US"/>
           </a:p>
@@ -3541,7 +3545,7 @@
           <a:p>
             <a:fld id="{C42C6571-5E6A-784B-B936-D3B05221CD33}" type="datetimeFigureOut">
               <a:rPr lang="en-US" smtClean="0"/>
-              <a:t>9/25/18</a:t>
+              <a:t>9/27/18</a:t>
             </a:fld>
             <a:endParaRPr lang="en-US"/>
           </a:p>
@@ -3716,7 +3720,7 @@
           <a:p>
             <a:fld id="{C42C6571-5E6A-784B-B936-D3B05221CD33}" type="datetimeFigureOut">
               <a:rPr lang="en-US" smtClean="0"/>
-              <a:t>9/25/18</a:t>
+              <a:t>9/27/18</a:t>
             </a:fld>
             <a:endParaRPr lang="en-US"/>
           </a:p>
@@ -3885,7 +3889,7 @@
           <a:p>
             <a:fld id="{C42C6571-5E6A-784B-B936-D3B05221CD33}" type="datetimeFigureOut">
               <a:rPr lang="en-US" smtClean="0"/>
-              <a:t>9/25/18</a:t>
+              <a:t>9/27/18</a:t>
             </a:fld>
             <a:endParaRPr lang="en-US"/>
           </a:p>
@@ -4157,7 +4161,7 @@
           <a:p>
             <a:fld id="{C42C6571-5E6A-784B-B936-D3B05221CD33}" type="datetimeFigureOut">
               <a:rPr lang="en-US" smtClean="0"/>
-              <a:t>9/25/18</a:t>
+              <a:t>9/27/18</a:t>
             </a:fld>
             <a:endParaRPr lang="en-US"/>
           </a:p>
@@ -4546,7 +4550,7 @@
           <a:p>
             <a:fld id="{C42C6571-5E6A-784B-B936-D3B05221CD33}" type="datetimeFigureOut">
               <a:rPr lang="en-US" smtClean="0"/>
-              <a:t>9/25/18</a:t>
+              <a:t>9/27/18</a:t>
             </a:fld>
             <a:endParaRPr lang="en-US"/>
           </a:p>
@@ -5018,7 +5022,7 @@
           <a:p>
             <a:fld id="{C42C6571-5E6A-784B-B936-D3B05221CD33}" type="datetimeFigureOut">
               <a:rPr lang="en-US" smtClean="0"/>
-              <a:t>9/25/18</a:t>
+              <a:t>9/27/18</a:t>
             </a:fld>
             <a:endParaRPr lang="en-US"/>
           </a:p>
@@ -5131,7 +5135,7 @@
           <a:p>
             <a:fld id="{C42C6571-5E6A-784B-B936-D3B05221CD33}" type="datetimeFigureOut">
               <a:rPr lang="en-US" smtClean="0"/>
-              <a:t>9/25/18</a:t>
+              <a:t>9/27/18</a:t>
             </a:fld>
             <a:endParaRPr lang="en-US"/>
           </a:p>
@@ -5221,7 +5225,7 @@
           <a:p>
             <a:fld id="{C42C6571-5E6A-784B-B936-D3B05221CD33}" type="datetimeFigureOut">
               <a:rPr lang="en-US" smtClean="0"/>
-              <a:t>9/25/18</a:t>
+              <a:t>9/27/18</a:t>
             </a:fld>
             <a:endParaRPr lang="en-US"/>
           </a:p>
@@ -5562,7 +5566,7 @@
           <a:p>
             <a:fld id="{C42C6571-5E6A-784B-B936-D3B05221CD33}" type="datetimeFigureOut">
               <a:rPr lang="en-US" smtClean="0"/>
-              <a:t>9/25/18</a:t>
+              <a:t>9/27/18</a:t>
             </a:fld>
             <a:endParaRPr lang="en-US"/>
           </a:p>
@@ -5945,7 +5949,7 @@
           <a:p>
             <a:fld id="{C42C6571-5E6A-784B-B936-D3B05221CD33}" type="datetimeFigureOut">
               <a:rPr lang="en-US" smtClean="0"/>
-              <a:t>9/25/18</a:t>
+              <a:t>9/27/18</a:t>
             </a:fld>
             <a:endParaRPr lang="en-US"/>
           </a:p>
@@ -6218,7 +6222,7 @@
           <a:p>
             <a:fld id="{C42C6571-5E6A-784B-B936-D3B05221CD33}" type="datetimeFigureOut">
               <a:rPr lang="en-US" smtClean="0"/>
-              <a:t>9/25/18</a:t>
+              <a:t>9/27/18</a:t>
             </a:fld>
             <a:endParaRPr lang="en-US"/>
           </a:p>
@@ -6806,10 +6810,10 @@
       </p:grpSpPr>
       <p:sp>
         <p:nvSpPr>
-          <p:cNvPr id="2" name="Title 1">
+          <p:cNvPr id="4" name="Title 3">
             <a:extLst>
               <a:ext uri="{FF2B5EF4-FFF2-40B4-BE49-F238E27FC236}">
-                <a16:creationId xmlns:a16="http://schemas.microsoft.com/office/drawing/2014/main" id="{C26D1946-6F96-414B-B9DB-6CD6AB108188}"/>
+                <a16:creationId xmlns:a16="http://schemas.microsoft.com/office/drawing/2014/main" id="{2114C334-0EAA-DE4F-A067-D7788EF44B14}"/>
               </a:ext>
             </a:extLst>
           </p:cNvPr>
@@ -6827,40 +6831,74 @@
           <a:p>
             <a:r>
               <a:rPr lang="en-US" dirty="0"/>
-              <a:t>Empty Map</a:t>
+              <a:t>Build an empty make and then update it with an observer</a:t>
             </a:r>
           </a:p>
         </p:txBody>
       </p:sp>
-      <p:sp>
-        <p:nvSpPr>
-          <p:cNvPr id="3" name="Content Placeholder 2">
+      <p:pic>
+        <p:nvPicPr>
+          <p:cNvPr id="7" name="Content Placeholder 6">
             <a:extLst>
               <a:ext uri="{FF2B5EF4-FFF2-40B4-BE49-F238E27FC236}">
-                <a16:creationId xmlns:a16="http://schemas.microsoft.com/office/drawing/2014/main" id="{BE6B6A95-D185-154F-B5C7-ABA2229B5F9A}"/>
+                <a16:creationId xmlns:a16="http://schemas.microsoft.com/office/drawing/2014/main" id="{48EEDE06-5A35-3D4E-A6F5-57A68AB7CB22}"/>
               </a:ext>
             </a:extLst>
           </p:cNvPr>
-          <p:cNvSpPr>
-            <a:spLocks noGrp="1"/>
-          </p:cNvSpPr>
+          <p:cNvPicPr>
+            <a:picLocks noGrp="1" noChangeAspect="1"/>
+          </p:cNvPicPr>
           <p:nvPr>
             <p:ph idx="1"/>
           </p:nvPr>
-        </p:nvSpPr>
-        <p:spPr/>
-        <p:txBody>
-          <a:bodyPr/>
-          <a:lstStyle/>
-          <a:p>
-            <a:endParaRPr lang="en-US"/>
-          </a:p>
-        </p:txBody>
-      </p:sp>
+        </p:nvPicPr>
+        <p:blipFill>
+          <a:blip r:embed="rId2"/>
+          <a:stretch>
+            <a:fillRect/>
+          </a:stretch>
+        </p:blipFill>
+        <p:spPr>
+          <a:xfrm>
+            <a:off x="1032932" y="2149458"/>
+            <a:ext cx="10816171" cy="1152542"/>
+          </a:xfrm>
+        </p:spPr>
+      </p:pic>
+      <p:pic>
+        <p:nvPicPr>
+          <p:cNvPr id="9" name="Picture 8">
+            <a:extLst>
+              <a:ext uri="{FF2B5EF4-FFF2-40B4-BE49-F238E27FC236}">
+                <a16:creationId xmlns:a16="http://schemas.microsoft.com/office/drawing/2014/main" id="{9FD2E88F-148C-1F4F-914A-2DE0A7F33CA9}"/>
+              </a:ext>
+            </a:extLst>
+          </p:cNvPr>
+          <p:cNvPicPr>
+            <a:picLocks noChangeAspect="1"/>
+          </p:cNvPicPr>
+          <p:nvPr/>
+        </p:nvPicPr>
+        <p:blipFill>
+          <a:blip r:embed="rId3"/>
+          <a:stretch>
+            <a:fillRect/>
+          </a:stretch>
+        </p:blipFill>
+        <p:spPr>
+          <a:xfrm>
+            <a:off x="1050845" y="3997987"/>
+            <a:ext cx="10772959" cy="1982683"/>
+          </a:xfrm>
+          <a:prstGeom prst="rect">
+            <a:avLst/>
+          </a:prstGeom>
+        </p:spPr>
+      </p:pic>
     </p:spTree>
     <p:extLst>
       <p:ext uri="{BB962C8B-B14F-4D97-AF65-F5344CB8AC3E}">
-        <p14:creationId xmlns:p14="http://schemas.microsoft.com/office/powerpoint/2010/main" val="1118108718"/>
+        <p14:creationId xmlns:p14="http://schemas.microsoft.com/office/powerpoint/2010/main" val="1987876977"/>
       </p:ext>
     </p:extLst>
   </p:cSld>
@@ -6892,7 +6930,7 @@
           <p:cNvPr id="2" name="Title 1">
             <a:extLst>
               <a:ext uri="{FF2B5EF4-FFF2-40B4-BE49-F238E27FC236}">
-                <a16:creationId xmlns:a16="http://schemas.microsoft.com/office/drawing/2014/main" id="{3AC4F617-C4CB-7E47-98B4-76AD95CD3AA7}"/>
+                <a16:creationId xmlns:a16="http://schemas.microsoft.com/office/drawing/2014/main" id="{BA97E424-A139-EC43-B7BA-949809E526C5}"/>
               </a:ext>
             </a:extLst>
           </p:cNvPr>
@@ -6910,17 +6948,17 @@
           <a:p>
             <a:r>
               <a:rPr lang="en-US" dirty="0"/>
-              <a:t>Observer your reactive data</a:t>
+              <a:t>Pros and Cons</a:t>
             </a:r>
           </a:p>
         </p:txBody>
       </p:sp>
       <p:sp>
         <p:nvSpPr>
-          <p:cNvPr id="3" name="Content Placeholder 2">
+          <p:cNvPr id="4" name="Content Placeholder 3">
             <a:extLst>
               <a:ext uri="{FF2B5EF4-FFF2-40B4-BE49-F238E27FC236}">
-                <a16:creationId xmlns:a16="http://schemas.microsoft.com/office/drawing/2014/main" id="{E7AD796E-8782-BC4D-9BDD-5A9FA1AA3E29}"/>
+                <a16:creationId xmlns:a16="http://schemas.microsoft.com/office/drawing/2014/main" id="{367FD439-BF59-C444-A906-DF7981A8215A}"/>
               </a:ext>
             </a:extLst>
           </p:cNvPr>
@@ -6928,7 +6966,7 @@
             <a:spLocks noGrp="1"/>
           </p:cNvSpPr>
           <p:nvPr>
-            <p:ph idx="1"/>
+            <p:ph sz="half" idx="1"/>
           </p:nvPr>
         </p:nvSpPr>
         <p:spPr/>
@@ -6936,14 +6974,83 @@
           <a:bodyPr/>
           <a:lstStyle/>
           <a:p>
-            <a:endParaRPr lang="en-US"/>
+            <a:r>
+              <a:rPr lang="en-US" dirty="0"/>
+              <a:t>Faster than rebuilding the entire map each time</a:t>
+            </a:r>
+          </a:p>
+          <a:p>
+            <a:r>
+              <a:rPr lang="en-US" dirty="0"/>
+              <a:t>User controls stay consistent throughout</a:t>
+            </a:r>
+          </a:p>
+          <a:p>
+            <a:r>
+              <a:rPr lang="en-US" dirty="0"/>
+              <a:t>You have to write an observer to re-zoom the map</a:t>
+            </a:r>
+          </a:p>
+          <a:p>
+            <a:r>
+              <a:rPr lang="en-US" dirty="0"/>
+              <a:t>You can do fun user input based things</a:t>
+            </a:r>
+          </a:p>
+          <a:p>
+            <a:endParaRPr lang="en-US" dirty="0"/>
+          </a:p>
+        </p:txBody>
+      </p:sp>
+      <p:sp>
+        <p:nvSpPr>
+          <p:cNvPr id="5" name="Content Placeholder 4">
+            <a:extLst>
+              <a:ext uri="{FF2B5EF4-FFF2-40B4-BE49-F238E27FC236}">
+                <a16:creationId xmlns:a16="http://schemas.microsoft.com/office/drawing/2014/main" id="{51DFF8FF-122D-EC41-AA0A-58F3D119EEE8}"/>
+              </a:ext>
+            </a:extLst>
+          </p:cNvPr>
+          <p:cNvSpPr>
+            <a:spLocks noGrp="1"/>
+          </p:cNvSpPr>
+          <p:nvPr>
+            <p:ph sz="half" idx="2"/>
+          </p:nvPr>
+        </p:nvSpPr>
+        <p:spPr/>
+        <p:txBody>
+          <a:bodyPr/>
+          <a:lstStyle/>
+          <a:p>
+            <a:r>
+              <a:rPr lang="en-US" dirty="0"/>
+              <a:t>Doesn’t re-zoom the map each time the user changes a selection</a:t>
+            </a:r>
+          </a:p>
+          <a:p>
+            <a:r>
+              <a:rPr lang="en-US" dirty="0"/>
+              <a:t>Requires an understanding of how observe() and </a:t>
+            </a:r>
+            <a:r>
+              <a:rPr lang="en-US" dirty="0" err="1"/>
+              <a:t>leafletProxy</a:t>
+            </a:r>
+            <a:r>
+              <a:rPr lang="en-US" dirty="0"/>
+              <a:t>() work</a:t>
+            </a:r>
+          </a:p>
+          <a:p>
+            <a:endParaRPr lang="en-US" dirty="0"/>
           </a:p>
         </p:txBody>
       </p:sp>
     </p:spTree>
     <p:extLst>
       <p:ext uri="{BB962C8B-B14F-4D97-AF65-F5344CB8AC3E}">
-        <p14:creationId xmlns:p14="http://schemas.microsoft.com/office/powerpoint/2010/main" val="1341639619"/>
+        <p14:creationId xmlns:p14="http://schemas.microsoft.com/office/powerpoint/2010/main" val="1334858375"/>
       </p:ext>
     </p:extLst>
   </p:cSld>
@@ -6975,7 +7082,7 @@
           <p:cNvPr id="2" name="Title 1">
             <a:extLst>
               <a:ext uri="{FF2B5EF4-FFF2-40B4-BE49-F238E27FC236}">
-                <a16:creationId xmlns:a16="http://schemas.microsoft.com/office/drawing/2014/main" id="{84E19C2E-D307-0E4E-9469-1BDB486B1CEB}"/>
+                <a16:creationId xmlns:a16="http://schemas.microsoft.com/office/drawing/2014/main" id="{8A9724C5-5AA3-F64C-8261-1D49075A70C8}"/>
               </a:ext>
             </a:extLst>
           </p:cNvPr>
@@ -6993,17 +7100,17 @@
           <a:p>
             <a:r>
               <a:rPr lang="en-US" dirty="0"/>
-              <a:t>Clear versus Remove</a:t>
+              <a:t>Observer functions</a:t>
             </a:r>
           </a:p>
         </p:txBody>
       </p:sp>
       <p:sp>
         <p:nvSpPr>
-          <p:cNvPr id="4" name="Content Placeholder 3">
+          <p:cNvPr id="3" name="Content Placeholder 2">
             <a:extLst>
               <a:ext uri="{FF2B5EF4-FFF2-40B4-BE49-F238E27FC236}">
-                <a16:creationId xmlns:a16="http://schemas.microsoft.com/office/drawing/2014/main" id="{54116D4A-D76B-9C4F-9AE1-09CA9D83F5D7}"/>
+                <a16:creationId xmlns:a16="http://schemas.microsoft.com/office/drawing/2014/main" id="{F1CA257C-EDBE-484E-A5FA-8C2A51B7DECA}"/>
               </a:ext>
             </a:extLst>
           </p:cNvPr>
@@ -7019,16 +7126,22 @@
           <a:bodyPr/>
           <a:lstStyle/>
           <a:p>
-            <a:endParaRPr lang="en-US"/>
+            <a:r>
+              <a:rPr lang="en-US" dirty="0"/>
+              <a:t>Observe works much like reactive except they change things permanently.</a:t>
+            </a:r>
+          </a:p>
+          <a:p>
+            <a:endParaRPr lang="en-US" dirty="0"/>
           </a:p>
         </p:txBody>
       </p:sp>
       <p:sp>
         <p:nvSpPr>
-          <p:cNvPr id="5" name="Content Placeholder 4">
+          <p:cNvPr id="4" name="Content Placeholder 3">
             <a:extLst>
               <a:ext uri="{FF2B5EF4-FFF2-40B4-BE49-F238E27FC236}">
-                <a16:creationId xmlns:a16="http://schemas.microsoft.com/office/drawing/2014/main" id="{38D3A7E4-C9D1-CE46-8C28-9583A6C33CAF}"/>
+                <a16:creationId xmlns:a16="http://schemas.microsoft.com/office/drawing/2014/main" id="{C452FF21-D410-8547-8EA4-5214D33997D2}"/>
               </a:ext>
             </a:extLst>
           </p:cNvPr>
@@ -7044,14 +7157,51 @@
           <a:bodyPr/>
           <a:lstStyle/>
           <a:p>
-            <a:endParaRPr lang="en-US"/>
+            <a:pPr marL="0" indent="0">
+              <a:buNone/>
+            </a:pPr>
+            <a:r>
+              <a:rPr lang="en-US" dirty="0"/>
+              <a:t>For example:</a:t>
+            </a:r>
+          </a:p>
+          <a:p>
+            <a:r>
+              <a:rPr lang="en-US" dirty="0"/>
+              <a:t>Input updates</a:t>
+            </a:r>
+          </a:p>
+          <a:p>
+            <a:r>
+              <a:rPr lang="en-US" dirty="0"/>
+              <a:t>notifications</a:t>
+            </a:r>
+          </a:p>
+          <a:p>
+            <a:r>
+              <a:rPr lang="en-US" dirty="0" err="1"/>
+              <a:t>shinyjs</a:t>
+            </a:r>
+            <a:r>
+              <a:rPr lang="en-US" dirty="0"/>
+              <a:t> things such as disable/enabling buttons</a:t>
+            </a:r>
+          </a:p>
+          <a:p>
+            <a:r>
+              <a:rPr lang="en-US" dirty="0"/>
+              <a:t>A leaflet map</a:t>
+            </a:r>
+          </a:p>
+          <a:p>
+            <a:endParaRPr lang="en-US" dirty="0"/>
           </a:p>
         </p:txBody>
       </p:sp>
     </p:spTree>
     <p:extLst>
       <p:ext uri="{BB962C8B-B14F-4D97-AF65-F5344CB8AC3E}">
-        <p14:creationId xmlns:p14="http://schemas.microsoft.com/office/powerpoint/2010/main" val="1700462366"/>
+        <p14:creationId xmlns:p14="http://schemas.microsoft.com/office/powerpoint/2010/main" val="1562499968"/>
       </p:ext>
     </p:extLst>
   </p:cSld>
@@ -7083,7 +7233,7 @@
           <p:cNvPr id="2" name="Title 1">
             <a:extLst>
               <a:ext uri="{FF2B5EF4-FFF2-40B4-BE49-F238E27FC236}">
-                <a16:creationId xmlns:a16="http://schemas.microsoft.com/office/drawing/2014/main" id="{8A9724C5-5AA3-F64C-8261-1D49075A70C8}"/>
+                <a16:creationId xmlns:a16="http://schemas.microsoft.com/office/drawing/2014/main" id="{83A9A3BC-BA23-9349-BEEE-DBDFCD6D677C}"/>
               </a:ext>
             </a:extLst>
           </p:cNvPr>
@@ -7101,7 +7251,7 @@
           <a:p>
             <a:r>
               <a:rPr lang="en-US" dirty="0"/>
-              <a:t>Hide</a:t>
+              <a:t>Leaflet provides inputs</a:t>
             </a:r>
           </a:p>
         </p:txBody>
@@ -7111,7 +7261,7 @@
           <p:cNvPr id="3" name="Content Placeholder 2">
             <a:extLst>
               <a:ext uri="{FF2B5EF4-FFF2-40B4-BE49-F238E27FC236}">
-                <a16:creationId xmlns:a16="http://schemas.microsoft.com/office/drawing/2014/main" id="{F1CA257C-EDBE-484E-A5FA-8C2A51B7DECA}"/>
+                <a16:creationId xmlns:a16="http://schemas.microsoft.com/office/drawing/2014/main" id="{38DEB76E-96D3-A74B-BD3C-EFCA235A1105}"/>
               </a:ext>
             </a:extLst>
           </p:cNvPr>
@@ -7119,7 +7269,7 @@
             <a:spLocks noGrp="1"/>
           </p:cNvSpPr>
           <p:nvPr>
-            <p:ph sz="half" idx="1"/>
+            <p:ph idx="1"/>
           </p:nvPr>
         </p:nvSpPr>
         <p:spPr/>
@@ -7127,16 +7277,176 @@
           <a:bodyPr/>
           <a:lstStyle/>
           <a:p>
-            <a:endParaRPr lang="en-US"/>
+            <a:pPr marL="0" indent="0">
+              <a:buNone/>
+            </a:pPr>
+            <a:r>
+              <a:rPr lang="en-US" dirty="0"/>
+              <a:t>In all of these examples “leaflet” is whatever you called your (</a:t>
+            </a:r>
+            <a:r>
+              <a:rPr lang="en-US" dirty="0" err="1"/>
+              <a:t>ie</a:t>
+            </a:r>
+            <a:r>
+              <a:rPr lang="en-US" dirty="0"/>
+              <a:t>: </a:t>
+            </a:r>
+            <a:r>
+              <a:rPr lang="en-US" dirty="0" err="1"/>
+              <a:t>output$leaflet</a:t>
+            </a:r>
+            <a:r>
+              <a:rPr lang="en-US" dirty="0"/>
+              <a:t>)</a:t>
+            </a:r>
+          </a:p>
+          <a:p>
+            <a:r>
+              <a:rPr lang="en-US" dirty="0" err="1"/>
+              <a:t>input$leaflet_center</a:t>
+            </a:r>
+            <a:r>
+              <a:rPr lang="en-US" dirty="0"/>
+              <a:t> (</a:t>
+            </a:r>
+            <a:r>
+              <a:rPr lang="en-US" dirty="0" err="1"/>
+              <a:t>lat</a:t>
+            </a:r>
+            <a:r>
+              <a:rPr lang="en-US" dirty="0"/>
+              <a:t>, </a:t>
+            </a:r>
+            <a:r>
+              <a:rPr lang="en-US" dirty="0" err="1"/>
+              <a:t>lng</a:t>
+            </a:r>
+            <a:r>
+              <a:rPr lang="en-US" dirty="0"/>
+              <a:t>) </a:t>
+            </a:r>
+          </a:p>
+          <a:p>
+            <a:r>
+              <a:rPr lang="en-US" dirty="0" err="1"/>
+              <a:t>input$leaflet_zoom</a:t>
+            </a:r>
+            <a:r>
+              <a:rPr lang="en-US" dirty="0"/>
+              <a:t> (numeric)</a:t>
+            </a:r>
+          </a:p>
+          <a:p>
+            <a:r>
+              <a:rPr lang="en-US" dirty="0" err="1"/>
+              <a:t>input$leaflet_bounds</a:t>
+            </a:r>
+            <a:r>
+              <a:rPr lang="en-US" dirty="0"/>
+              <a:t>$ (north, east, south, west)</a:t>
+            </a:r>
+          </a:p>
+          <a:p>
+            <a:r>
+              <a:rPr lang="en-US" dirty="0" err="1"/>
+              <a:t>input$leaflet_marker_mouseout</a:t>
+            </a:r>
+            <a:r>
+              <a:rPr lang="en-US" dirty="0"/>
+              <a:t>$ (id, group, </a:t>
+            </a:r>
+            <a:r>
+              <a:rPr lang="en-US" dirty="0" err="1"/>
+              <a:t>lat</a:t>
+            </a:r>
+            <a:r>
+              <a:rPr lang="en-US" dirty="0"/>
+              <a:t>, </a:t>
+            </a:r>
+            <a:r>
+              <a:rPr lang="en-US" dirty="0" err="1"/>
+              <a:t>lng</a:t>
+            </a:r>
+            <a:r>
+              <a:rPr lang="en-US" dirty="0"/>
+              <a:t>)</a:t>
+            </a:r>
+          </a:p>
+          <a:p>
+            <a:r>
+              <a:rPr lang="en-US" dirty="0" err="1"/>
+              <a:t>input$leaflet_marker_click</a:t>
+            </a:r>
+            <a:r>
+              <a:rPr lang="en-US" dirty="0"/>
+              <a:t>$ (id, group, </a:t>
+            </a:r>
+            <a:r>
+              <a:rPr lang="en-US" dirty="0" err="1"/>
+              <a:t>lat</a:t>
+            </a:r>
+            <a:r>
+              <a:rPr lang="en-US" dirty="0"/>
+              <a:t>, </a:t>
+            </a:r>
+            <a:r>
+              <a:rPr lang="en-US" dirty="0" err="1"/>
+              <a:t>lng</a:t>
+            </a:r>
+            <a:r>
+              <a:rPr lang="en-US" dirty="0"/>
+              <a:t>)</a:t>
+            </a:r>
+          </a:p>
+          <a:p>
+            <a:r>
+              <a:rPr lang="en-US" dirty="0" err="1"/>
+              <a:t>input$leaflet_groups</a:t>
+            </a:r>
+            <a:r>
+              <a:rPr lang="en-US" dirty="0"/>
+              <a:t> (list)</a:t>
+            </a:r>
           </a:p>
         </p:txBody>
       </p:sp>
-      <p:sp>
-        <p:nvSpPr>
-          <p:cNvPr id="4" name="Content Placeholder 3">
+    </p:spTree>
+    <p:extLst>
+      <p:ext uri="{BB962C8B-B14F-4D97-AF65-F5344CB8AC3E}">
+        <p14:creationId xmlns:p14="http://schemas.microsoft.com/office/powerpoint/2010/main" val="2422922887"/>
+      </p:ext>
+    </p:extLst>
+  </p:cSld>
+  <p:clrMapOvr>
+    <a:masterClrMapping/>
+  </p:clrMapOvr>
+</p:sld>
+</file>
+
+<file path=ppt/slides/slide14.xml><?xml version="1.0" encoding="utf-8"?>
+<p:sld xmlns:a="http://schemas.openxmlformats.org/drawingml/2006/main" xmlns:r="http://schemas.openxmlformats.org/officeDocument/2006/relationships" xmlns:p="http://schemas.openxmlformats.org/presentationml/2006/main">
+  <p:cSld>
+    <p:spTree>
+      <p:nvGrpSpPr>
+        <p:cNvPr id="1" name=""/>
+        <p:cNvGrpSpPr/>
+        <p:nvPr/>
+      </p:nvGrpSpPr>
+      <p:grpSpPr>
+        <a:xfrm>
+          <a:off x="0" y="0"/>
+          <a:ext cx="0" cy="0"/>
+          <a:chOff x="0" y="0"/>
+          <a:chExt cx="0" cy="0"/>
+        </a:xfrm>
+      </p:grpSpPr>
+      <p:sp>
+        <p:nvSpPr>
+          <p:cNvPr id="2" name="Title 1">
             <a:extLst>
               <a:ext uri="{FF2B5EF4-FFF2-40B4-BE49-F238E27FC236}">
-                <a16:creationId xmlns:a16="http://schemas.microsoft.com/office/drawing/2014/main" id="{C452FF21-D410-8547-8EA4-5214D33997D2}"/>
+                <a16:creationId xmlns:a16="http://schemas.microsoft.com/office/drawing/2014/main" id="{84E19C2E-D307-0E4E-9469-1BDB486B1CEB}"/>
               </a:ext>
             </a:extLst>
           </p:cNvPr>
@@ -7144,7 +7454,7 @@
             <a:spLocks noGrp="1"/>
           </p:cNvSpPr>
           <p:nvPr>
-            <p:ph sz="half" idx="2"/>
+            <p:ph type="title"/>
           </p:nvPr>
         </p:nvSpPr>
         <p:spPr/>
@@ -7152,14 +7462,1554 @@
           <a:bodyPr/>
           <a:lstStyle/>
           <a:p>
-            <a:endParaRPr lang="en-US"/>
+            <a:r>
+              <a:rPr lang="en-US" dirty="0"/>
+              <a:t>Clear versus Remove</a:t>
+            </a:r>
+          </a:p>
+        </p:txBody>
+      </p:sp>
+      <p:sp>
+        <p:nvSpPr>
+          <p:cNvPr id="4" name="Content Placeholder 3">
+            <a:extLst>
+              <a:ext uri="{FF2B5EF4-FFF2-40B4-BE49-F238E27FC236}">
+                <a16:creationId xmlns:a16="http://schemas.microsoft.com/office/drawing/2014/main" id="{54116D4A-D76B-9C4F-9AE1-09CA9D83F5D7}"/>
+              </a:ext>
+            </a:extLst>
+          </p:cNvPr>
+          <p:cNvSpPr>
+            <a:spLocks noGrp="1"/>
+          </p:cNvSpPr>
+          <p:nvPr>
+            <p:ph sz="half" idx="1"/>
+          </p:nvPr>
+        </p:nvSpPr>
+        <p:spPr/>
+        <p:txBody>
+          <a:bodyPr/>
+          <a:lstStyle/>
+          <a:p>
+            <a:r>
+              <a:rPr lang="en-US" dirty="0"/>
+              <a:t>clear will remove everything of a certain type, like shapes, markers, clusters, controls or groups</a:t>
+            </a:r>
+          </a:p>
+        </p:txBody>
+      </p:sp>
+      <p:sp>
+        <p:nvSpPr>
+          <p:cNvPr id="5" name="Content Placeholder 4">
+            <a:extLst>
+              <a:ext uri="{FF2B5EF4-FFF2-40B4-BE49-F238E27FC236}">
+                <a16:creationId xmlns:a16="http://schemas.microsoft.com/office/drawing/2014/main" id="{38D3A7E4-C9D1-CE46-8C28-9583A6C33CAF}"/>
+              </a:ext>
+            </a:extLst>
+          </p:cNvPr>
+          <p:cNvSpPr>
+            <a:spLocks noGrp="1"/>
+          </p:cNvSpPr>
+          <p:nvPr>
+            <p:ph sz="half" idx="2"/>
+          </p:nvPr>
+        </p:nvSpPr>
+        <p:spPr/>
+        <p:txBody>
+          <a:bodyPr/>
+          <a:lstStyle/>
+          <a:p>
+            <a:r>
+              <a:rPr lang="en-US" dirty="0"/>
+              <a:t>remove will remove thinks based off of their </a:t>
+            </a:r>
+            <a:r>
+              <a:rPr lang="en-US" dirty="0" err="1"/>
+              <a:t>layerId</a:t>
+            </a:r>
+            <a:r>
+              <a:rPr lang="en-US" dirty="0"/>
+              <a:t>()</a:t>
+            </a:r>
+          </a:p>
+          <a:p>
+            <a:endParaRPr lang="en-US" dirty="0"/>
           </a:p>
         </p:txBody>
       </p:sp>
     </p:spTree>
     <p:extLst>
       <p:ext uri="{BB962C8B-B14F-4D97-AF65-F5344CB8AC3E}">
-        <p14:creationId xmlns:p14="http://schemas.microsoft.com/office/powerpoint/2010/main" val="1562499968"/>
+        <p14:creationId xmlns:p14="http://schemas.microsoft.com/office/powerpoint/2010/main" val="1700462366"/>
+      </p:ext>
+    </p:extLst>
+  </p:cSld>
+  <p:clrMapOvr>
+    <a:masterClrMapping/>
+  </p:clrMapOvr>
+</p:sld>
+</file>
+
+<file path=ppt/slides/slide15.xml><?xml version="1.0" encoding="utf-8"?>
+<p:sld xmlns:a="http://schemas.openxmlformats.org/drawingml/2006/main" xmlns:r="http://schemas.openxmlformats.org/officeDocument/2006/relationships" xmlns:p="http://schemas.openxmlformats.org/presentationml/2006/main">
+  <p:cSld>
+    <p:bg>
+      <p:bgPr>
+        <a:solidFill>
+          <a:schemeClr val="bg2"/>
+        </a:solidFill>
+        <a:effectLst/>
+      </p:bgPr>
+    </p:bg>
+    <p:spTree>
+      <p:nvGrpSpPr>
+        <p:cNvPr id="1" name=""/>
+        <p:cNvGrpSpPr/>
+        <p:nvPr/>
+      </p:nvGrpSpPr>
+      <p:grpSpPr>
+        <a:xfrm>
+          <a:off x="0" y="0"/>
+          <a:ext cx="0" cy="0"/>
+          <a:chOff x="0" y="0"/>
+          <a:chExt cx="0" cy="0"/>
+        </a:xfrm>
+      </p:grpSpPr>
+      <p:grpSp>
+        <p:nvGrpSpPr>
+          <p:cNvPr id="14" name="Group 13">
+            <a:extLst>
+              <a:ext uri="{FF2B5EF4-FFF2-40B4-BE49-F238E27FC236}">
+                <a16:creationId xmlns:a16="http://schemas.microsoft.com/office/drawing/2014/main" id="{449BC34D-9C23-4D6D-8213-1F471AF85B3F}"/>
+              </a:ext>
+              <a:ext uri="{C183D7F6-B498-43B3-948B-1728B52AA6E4}">
+                <adec:decorative xmlns:adec="http://schemas.microsoft.com/office/drawing/2017/decorative" val="1"/>
+              </a:ext>
+            </a:extLst>
+          </p:cNvPr>
+          <p:cNvGrpSpPr>
+            <a:grpSpLocks noGrp="1" noUngrp="1" noRot="1" noChangeAspect="1" noMove="1" noResize="1"/>
+          </p:cNvGrpSpPr>
+          <p:nvPr>
+            <p:extLst>
+              <p:ext uri="{386F3935-93C4-4BCD-93E2-E3B085C9AB24}">
+                <p16:designElem xmlns:p16="http://schemas.microsoft.com/office/powerpoint/2015/main" val="1"/>
+              </p:ext>
+            </p:extLst>
+          </p:nvPr>
+        </p:nvGrpSpPr>
+        <p:grpSpPr>
+          <a:xfrm>
+            <a:off x="752858" y="744469"/>
+            <a:ext cx="10674117" cy="5349671"/>
+            <a:chOff x="752858" y="744469"/>
+            <a:chExt cx="10674117" cy="5349671"/>
+          </a:xfrm>
+        </p:grpSpPr>
+        <p:sp>
+          <p:nvSpPr>
+            <p:cNvPr id="15" name="Freeform 6">
+              <a:extLst>
+                <a:ext uri="{FF2B5EF4-FFF2-40B4-BE49-F238E27FC236}">
+                  <a16:creationId xmlns:a16="http://schemas.microsoft.com/office/drawing/2014/main" id="{FA0F5D6C-5025-4D7E-82DD-C2C6FDA1E759}"/>
+                </a:ext>
+                <a:ext uri="{C183D7F6-B498-43B3-948B-1728B52AA6E4}">
+                  <adec:decorative xmlns:adec="http://schemas.microsoft.com/office/drawing/2017/decorative" val="1"/>
+                </a:ext>
+              </a:extLst>
+            </p:cNvPr>
+            <p:cNvSpPr/>
+            <p:nvPr>
+              <p:extLst>
+                <p:ext uri="{386F3935-93C4-4BCD-93E2-E3B085C9AB24}">
+                  <p16:designElem xmlns:p16="http://schemas.microsoft.com/office/powerpoint/2015/main" val="1"/>
+                </p:ext>
+              </p:extLst>
+            </p:nvPr>
+          </p:nvSpPr>
+          <p:spPr bwMode="auto">
+            <a:xfrm>
+              <a:off x="8151962" y="1685652"/>
+              <a:ext cx="3275013" cy="4408488"/>
+            </a:xfrm>
+            <a:custGeom>
+              <a:avLst/>
+              <a:gdLst/>
+              <a:ahLst/>
+              <a:cxnLst/>
+              <a:rect l="l" t="t" r="r" b="b"/>
+              <a:pathLst>
+                <a:path w="10000" h="10000">
+                  <a:moveTo>
+                    <a:pt x="8761" y="0"/>
+                  </a:moveTo>
+                  <a:lnTo>
+                    <a:pt x="10000" y="0"/>
+                  </a:lnTo>
+                  <a:lnTo>
+                    <a:pt x="10000" y="10000"/>
+                  </a:lnTo>
+                  <a:lnTo>
+                    <a:pt x="0" y="10000"/>
+                  </a:lnTo>
+                  <a:lnTo>
+                    <a:pt x="0" y="9126"/>
+                  </a:lnTo>
+                  <a:lnTo>
+                    <a:pt x="8761" y="9127"/>
+                  </a:lnTo>
+                  <a:lnTo>
+                    <a:pt x="8761" y="0"/>
+                  </a:lnTo>
+                  <a:close/>
+                </a:path>
+              </a:pathLst>
+            </a:custGeom>
+            <a:solidFill>
+              <a:schemeClr val="tx2"/>
+            </a:solidFill>
+            <a:ln w="0">
+              <a:noFill/>
+              <a:prstDash val="solid"/>
+              <a:round/>
+              <a:headEnd/>
+              <a:tailEnd/>
+            </a:ln>
+          </p:spPr>
+        </p:sp>
+        <p:sp>
+          <p:nvSpPr>
+            <p:cNvPr id="16" name="Freeform 6">
+              <a:extLst>
+                <a:ext uri="{FF2B5EF4-FFF2-40B4-BE49-F238E27FC236}">
+                  <a16:creationId xmlns:a16="http://schemas.microsoft.com/office/drawing/2014/main" id="{E2AF2C17-4AB4-4402-B84B-129EF95D161C}"/>
+                </a:ext>
+                <a:ext uri="{C183D7F6-B498-43B3-948B-1728B52AA6E4}">
+                  <adec:decorative xmlns:adec="http://schemas.microsoft.com/office/drawing/2017/decorative" val="1"/>
+                </a:ext>
+              </a:extLst>
+            </p:cNvPr>
+            <p:cNvSpPr/>
+            <p:nvPr>
+              <p:extLst>
+                <p:ext uri="{386F3935-93C4-4BCD-93E2-E3B085C9AB24}">
+                  <p16:designElem xmlns:p16="http://schemas.microsoft.com/office/powerpoint/2015/main" val="1"/>
+                </p:ext>
+              </p:extLst>
+            </p:nvPr>
+          </p:nvSpPr>
+          <p:spPr bwMode="auto">
+            <a:xfrm flipH="1" flipV="1">
+              <a:off x="752858" y="744469"/>
+              <a:ext cx="3275668" cy="4408488"/>
+            </a:xfrm>
+            <a:custGeom>
+              <a:avLst/>
+              <a:gdLst/>
+              <a:ahLst/>
+              <a:cxnLst/>
+              <a:rect l="l" t="t" r="r" b="b"/>
+              <a:pathLst>
+                <a:path w="10002" h="10000">
+                  <a:moveTo>
+                    <a:pt x="8763" y="0"/>
+                  </a:moveTo>
+                  <a:lnTo>
+                    <a:pt x="10002" y="0"/>
+                  </a:lnTo>
+                  <a:lnTo>
+                    <a:pt x="10002" y="10000"/>
+                  </a:lnTo>
+                  <a:lnTo>
+                    <a:pt x="2" y="10000"/>
+                  </a:lnTo>
+                  <a:cubicBezTo>
+                    <a:pt x="-2" y="9698"/>
+                    <a:pt x="4" y="9427"/>
+                    <a:pt x="0" y="9125"/>
+                  </a:cubicBezTo>
+                  <a:lnTo>
+                    <a:pt x="8763" y="9128"/>
+                  </a:lnTo>
+                  <a:lnTo>
+                    <a:pt x="8763" y="0"/>
+                  </a:lnTo>
+                  <a:close/>
+                </a:path>
+              </a:pathLst>
+            </a:custGeom>
+            <a:solidFill>
+              <a:schemeClr val="tx2"/>
+            </a:solidFill>
+            <a:ln w="0">
+              <a:noFill/>
+              <a:prstDash val="solid"/>
+              <a:round/>
+              <a:headEnd/>
+              <a:tailEnd/>
+            </a:ln>
+          </p:spPr>
+        </p:sp>
+      </p:grpSp>
+      <p:sp useBgFill="1">
+        <p:nvSpPr>
+          <p:cNvPr id="18" name="Rectangle 17">
+            <a:extLst>
+              <a:ext uri="{FF2B5EF4-FFF2-40B4-BE49-F238E27FC236}">
+                <a16:creationId xmlns:a16="http://schemas.microsoft.com/office/drawing/2014/main" id="{5D213B41-AC9B-4E61-BEED-FF4C168A8942}"/>
+              </a:ext>
+              <a:ext uri="{C183D7F6-B498-43B3-948B-1728B52AA6E4}">
+                <adec:decorative xmlns:adec="http://schemas.microsoft.com/office/drawing/2017/decorative" val="1"/>
+              </a:ext>
+            </a:extLst>
+          </p:cNvPr>
+          <p:cNvSpPr>
+            <a:spLocks noGrp="1" noRot="1" noChangeAspect="1" noMove="1" noResize="1" noEditPoints="1" noAdjustHandles="1" noChangeArrowheads="1" noChangeShapeType="1" noTextEdit="1"/>
+          </p:cNvSpPr>
+          <p:nvPr>
+            <p:extLst>
+              <p:ext uri="{386F3935-93C4-4BCD-93E2-E3B085C9AB24}">
+                <p16:designElem xmlns:p16="http://schemas.microsoft.com/office/powerpoint/2015/main" val="1"/>
+              </p:ext>
+            </p:extLst>
+          </p:nvPr>
+        </p:nvSpPr>
+        <p:spPr>
+          <a:xfrm>
+            <a:off x="0" y="0"/>
+            <a:ext cx="12192000" cy="6858000"/>
+          </a:xfrm>
+          <a:prstGeom prst="rect">
+            <a:avLst/>
+          </a:prstGeom>
+          <a:ln>
+            <a:noFill/>
+          </a:ln>
+        </p:spPr>
+        <p:style>
+          <a:lnRef idx="2">
+            <a:schemeClr val="accent1">
+              <a:shade val="50000"/>
+            </a:schemeClr>
+          </a:lnRef>
+          <a:fillRef idx="1001">
+            <a:schemeClr val="lt2"/>
+          </a:fillRef>
+          <a:effectRef idx="0">
+            <a:schemeClr val="accent1"/>
+          </a:effectRef>
+          <a:fontRef idx="minor">
+            <a:schemeClr val="lt1"/>
+          </a:fontRef>
+        </p:style>
+        <p:txBody>
+          <a:bodyPr rtlCol="0" anchor="ctr"/>
+          <a:lstStyle/>
+          <a:p>
+            <a:pPr algn="ctr"/>
+            <a:endParaRPr lang="en-US"/>
+          </a:p>
+        </p:txBody>
+      </p:sp>
+      <p:sp>
+        <p:nvSpPr>
+          <p:cNvPr id="7" name="Title 6">
+            <a:extLst>
+              <a:ext uri="{FF2B5EF4-FFF2-40B4-BE49-F238E27FC236}">
+                <a16:creationId xmlns:a16="http://schemas.microsoft.com/office/drawing/2014/main" id="{D4075718-1213-1F4A-AB14-21AD9219F415}"/>
+              </a:ext>
+            </a:extLst>
+          </p:cNvPr>
+          <p:cNvSpPr>
+            <a:spLocks noGrp="1"/>
+          </p:cNvSpPr>
+          <p:nvPr>
+            <p:ph type="title"/>
+          </p:nvPr>
+        </p:nvSpPr>
+        <p:spPr>
+          <a:xfrm>
+            <a:off x="659230" y="4484772"/>
+            <a:ext cx="10869750" cy="1237298"/>
+          </a:xfrm>
+        </p:spPr>
+        <p:txBody>
+          <a:bodyPr vert="horz" lIns="91440" tIns="45720" rIns="91440" bIns="45720" rtlCol="0" anchor="b">
+            <a:normAutofit/>
+          </a:bodyPr>
+          <a:lstStyle/>
+          <a:p>
+            <a:pPr algn="ctr"/>
+            <a:r>
+              <a:rPr lang="en-US" sz="7200" cap="all"/>
+              <a:t>Example of clear</a:t>
+            </a:r>
+          </a:p>
+        </p:txBody>
+      </p:sp>
+      <p:sp>
+        <p:nvSpPr>
+          <p:cNvPr id="20" name="Freeform 6">
+            <a:extLst>
+              <a:ext uri="{FF2B5EF4-FFF2-40B4-BE49-F238E27FC236}">
+                <a16:creationId xmlns:a16="http://schemas.microsoft.com/office/drawing/2014/main" id="{D8BB75D5-93A7-4EC9-A2FB-DCBDE6DE3008}"/>
+              </a:ext>
+              <a:ext uri="{C183D7F6-B498-43B3-948B-1728B52AA6E4}">
+                <adec:decorative xmlns:adec="http://schemas.microsoft.com/office/drawing/2017/decorative" val="1"/>
+              </a:ext>
+            </a:extLst>
+          </p:cNvPr>
+          <p:cNvSpPr>
+            <a:spLocks noGrp="1" noRot="1" noChangeAspect="1" noMove="1" noResize="1" noEditPoints="1" noAdjustHandles="1" noChangeArrowheads="1" noChangeShapeType="1" noTextEdit="1"/>
+          </p:cNvSpPr>
+          <p:nvPr>
+            <p:extLst>
+              <p:ext uri="{386F3935-93C4-4BCD-93E2-E3B085C9AB24}">
+                <p16:designElem xmlns:p16="http://schemas.microsoft.com/office/powerpoint/2015/main" val="1"/>
+              </p:ext>
+            </p:extLst>
+          </p:nvPr>
+        </p:nvSpPr>
+        <p:spPr bwMode="auto">
+          <a:xfrm rot="5400000" flipH="1">
+            <a:off x="1046527" y="-133294"/>
+            <a:ext cx="3275668" cy="4408488"/>
+          </a:xfrm>
+          <a:custGeom>
+            <a:avLst/>
+            <a:gdLst/>
+            <a:ahLst/>
+            <a:cxnLst/>
+            <a:rect l="l" t="t" r="r" b="b"/>
+            <a:pathLst>
+              <a:path w="10002" h="10000">
+                <a:moveTo>
+                  <a:pt x="8763" y="0"/>
+                </a:moveTo>
+                <a:lnTo>
+                  <a:pt x="10002" y="0"/>
+                </a:lnTo>
+                <a:lnTo>
+                  <a:pt x="10002" y="10000"/>
+                </a:lnTo>
+                <a:lnTo>
+                  <a:pt x="2" y="10000"/>
+                </a:lnTo>
+                <a:cubicBezTo>
+                  <a:pt x="-2" y="9698"/>
+                  <a:pt x="4" y="9427"/>
+                  <a:pt x="0" y="9125"/>
+                </a:cubicBezTo>
+                <a:lnTo>
+                  <a:pt x="8763" y="9128"/>
+                </a:lnTo>
+                <a:lnTo>
+                  <a:pt x="8763" y="0"/>
+                </a:lnTo>
+                <a:close/>
+              </a:path>
+            </a:pathLst>
+          </a:custGeom>
+          <a:solidFill>
+            <a:schemeClr val="tx2"/>
+          </a:solidFill>
+          <a:ln w="0">
+            <a:noFill/>
+            <a:prstDash val="solid"/>
+            <a:round/>
+            <a:headEnd/>
+            <a:tailEnd/>
+          </a:ln>
+        </p:spPr>
+      </p:sp>
+      <p:sp>
+        <p:nvSpPr>
+          <p:cNvPr id="22" name="Freeform 6">
+            <a:extLst>
+              <a:ext uri="{FF2B5EF4-FFF2-40B4-BE49-F238E27FC236}">
+                <a16:creationId xmlns:a16="http://schemas.microsoft.com/office/drawing/2014/main" id="{628FBD9F-3B86-4C98-8F77-383320737739}"/>
+              </a:ext>
+              <a:ext uri="{C183D7F6-B498-43B3-948B-1728B52AA6E4}">
+                <adec:decorative xmlns:adec="http://schemas.microsoft.com/office/drawing/2017/decorative" val="1"/>
+              </a:ext>
+            </a:extLst>
+          </p:cNvPr>
+          <p:cNvSpPr>
+            <a:spLocks noGrp="1" noRot="1" noChangeAspect="1" noMove="1" noResize="1" noEditPoints="1" noAdjustHandles="1" noChangeArrowheads="1" noChangeShapeType="1" noTextEdit="1"/>
+          </p:cNvSpPr>
+          <p:nvPr>
+            <p:extLst>
+              <p:ext uri="{386F3935-93C4-4BCD-93E2-E3B085C9AB24}">
+                <p16:designElem xmlns:p16="http://schemas.microsoft.com/office/powerpoint/2015/main" val="1"/>
+              </p:ext>
+            </p:extLst>
+          </p:nvPr>
+        </p:nvSpPr>
+        <p:spPr bwMode="auto">
+          <a:xfrm rot="5400000" flipV="1">
+            <a:off x="7838485" y="614084"/>
+            <a:ext cx="3275013" cy="4408488"/>
+          </a:xfrm>
+          <a:custGeom>
+            <a:avLst/>
+            <a:gdLst/>
+            <a:ahLst/>
+            <a:cxnLst/>
+            <a:rect l="l" t="t" r="r" b="b"/>
+            <a:pathLst>
+              <a:path w="10000" h="10000">
+                <a:moveTo>
+                  <a:pt x="8761" y="0"/>
+                </a:moveTo>
+                <a:lnTo>
+                  <a:pt x="10000" y="0"/>
+                </a:lnTo>
+                <a:lnTo>
+                  <a:pt x="10000" y="10000"/>
+                </a:lnTo>
+                <a:lnTo>
+                  <a:pt x="0" y="10000"/>
+                </a:lnTo>
+                <a:lnTo>
+                  <a:pt x="0" y="9126"/>
+                </a:lnTo>
+                <a:lnTo>
+                  <a:pt x="8761" y="9127"/>
+                </a:lnTo>
+                <a:lnTo>
+                  <a:pt x="8761" y="0"/>
+                </a:lnTo>
+                <a:close/>
+              </a:path>
+            </a:pathLst>
+          </a:custGeom>
+          <a:solidFill>
+            <a:schemeClr val="tx2"/>
+          </a:solidFill>
+          <a:ln w="0">
+            <a:noFill/>
+            <a:prstDash val="solid"/>
+            <a:round/>
+            <a:headEnd/>
+            <a:tailEnd/>
+          </a:ln>
+        </p:spPr>
+      </p:sp>
+      <p:pic>
+        <p:nvPicPr>
+          <p:cNvPr id="9" name="Content Placeholder 8">
+            <a:extLst>
+              <a:ext uri="{FF2B5EF4-FFF2-40B4-BE49-F238E27FC236}">
+                <a16:creationId xmlns:a16="http://schemas.microsoft.com/office/drawing/2014/main" id="{FAFD5827-3F20-3140-8870-048F86542A8B}"/>
+              </a:ext>
+            </a:extLst>
+          </p:cNvPr>
+          <p:cNvPicPr>
+            <a:picLocks noGrp="1" noChangeAspect="1"/>
+          </p:cNvPicPr>
+          <p:nvPr>
+            <p:ph idx="1"/>
+          </p:nvPr>
+        </p:nvPicPr>
+        <p:blipFill>
+          <a:blip r:embed="rId2"/>
+          <a:stretch>
+            <a:fillRect/>
+          </a:stretch>
+        </p:blipFill>
+        <p:spPr>
+          <a:xfrm>
+            <a:off x="1182862" y="1536759"/>
+            <a:ext cx="9797173" cy="1812477"/>
+          </a:xfrm>
+          <a:prstGeom prst="rect">
+            <a:avLst/>
+          </a:prstGeom>
+        </p:spPr>
+      </p:pic>
+    </p:spTree>
+    <p:extLst>
+      <p:ext uri="{BB962C8B-B14F-4D97-AF65-F5344CB8AC3E}">
+        <p14:creationId xmlns:p14="http://schemas.microsoft.com/office/powerpoint/2010/main" val="4264512074"/>
+      </p:ext>
+    </p:extLst>
+  </p:cSld>
+  <p:clrMapOvr>
+    <a:masterClrMapping/>
+  </p:clrMapOvr>
+</p:sld>
+</file>
+
+<file path=ppt/slides/slide16.xml><?xml version="1.0" encoding="utf-8"?>
+<p:sld xmlns:a="http://schemas.openxmlformats.org/drawingml/2006/main" xmlns:r="http://schemas.openxmlformats.org/officeDocument/2006/relationships" xmlns:p="http://schemas.openxmlformats.org/presentationml/2006/main">
+  <p:cSld>
+    <p:bg>
+      <p:bgPr>
+        <a:solidFill>
+          <a:schemeClr val="bg2"/>
+        </a:solidFill>
+        <a:effectLst/>
+      </p:bgPr>
+    </p:bg>
+    <p:spTree>
+      <p:nvGrpSpPr>
+        <p:cNvPr id="1" name=""/>
+        <p:cNvGrpSpPr/>
+        <p:nvPr/>
+      </p:nvGrpSpPr>
+      <p:grpSpPr>
+        <a:xfrm>
+          <a:off x="0" y="0"/>
+          <a:ext cx="0" cy="0"/>
+          <a:chOff x="0" y="0"/>
+          <a:chExt cx="0" cy="0"/>
+        </a:xfrm>
+      </p:grpSpPr>
+      <p:grpSp>
+        <p:nvGrpSpPr>
+          <p:cNvPr id="12" name="Group 11">
+            <a:extLst>
+              <a:ext uri="{FF2B5EF4-FFF2-40B4-BE49-F238E27FC236}">
+                <a16:creationId xmlns:a16="http://schemas.microsoft.com/office/drawing/2014/main" id="{449BC34D-9C23-4D6D-8213-1F471AF85B3F}"/>
+              </a:ext>
+              <a:ext uri="{C183D7F6-B498-43B3-948B-1728B52AA6E4}">
+                <adec:decorative xmlns:adec="http://schemas.microsoft.com/office/drawing/2017/decorative" val="1"/>
+              </a:ext>
+            </a:extLst>
+          </p:cNvPr>
+          <p:cNvGrpSpPr>
+            <a:grpSpLocks noGrp="1" noUngrp="1" noRot="1" noChangeAspect="1" noMove="1" noResize="1"/>
+          </p:cNvGrpSpPr>
+          <p:nvPr>
+            <p:extLst>
+              <p:ext uri="{386F3935-93C4-4BCD-93E2-E3B085C9AB24}">
+                <p16:designElem xmlns:p16="http://schemas.microsoft.com/office/powerpoint/2015/main" val="1"/>
+              </p:ext>
+            </p:extLst>
+          </p:nvPr>
+        </p:nvGrpSpPr>
+        <p:grpSpPr>
+          <a:xfrm>
+            <a:off x="752858" y="744469"/>
+            <a:ext cx="10674117" cy="5349671"/>
+            <a:chOff x="752858" y="744469"/>
+            <a:chExt cx="10674117" cy="5349671"/>
+          </a:xfrm>
+        </p:grpSpPr>
+        <p:sp>
+          <p:nvSpPr>
+            <p:cNvPr id="13" name="Freeform 6">
+              <a:extLst>
+                <a:ext uri="{FF2B5EF4-FFF2-40B4-BE49-F238E27FC236}">
+                  <a16:creationId xmlns:a16="http://schemas.microsoft.com/office/drawing/2014/main" id="{FA0F5D6C-5025-4D7E-82DD-C2C6FDA1E759}"/>
+                </a:ext>
+                <a:ext uri="{C183D7F6-B498-43B3-948B-1728B52AA6E4}">
+                  <adec:decorative xmlns:adec="http://schemas.microsoft.com/office/drawing/2017/decorative" val="1"/>
+                </a:ext>
+              </a:extLst>
+            </p:cNvPr>
+            <p:cNvSpPr/>
+            <p:nvPr>
+              <p:extLst>
+                <p:ext uri="{386F3935-93C4-4BCD-93E2-E3B085C9AB24}">
+                  <p16:designElem xmlns:p16="http://schemas.microsoft.com/office/powerpoint/2015/main" val="1"/>
+                </p:ext>
+              </p:extLst>
+            </p:nvPr>
+          </p:nvSpPr>
+          <p:spPr bwMode="auto">
+            <a:xfrm>
+              <a:off x="8151962" y="1685652"/>
+              <a:ext cx="3275013" cy="4408488"/>
+            </a:xfrm>
+            <a:custGeom>
+              <a:avLst/>
+              <a:gdLst/>
+              <a:ahLst/>
+              <a:cxnLst/>
+              <a:rect l="l" t="t" r="r" b="b"/>
+              <a:pathLst>
+                <a:path w="10000" h="10000">
+                  <a:moveTo>
+                    <a:pt x="8761" y="0"/>
+                  </a:moveTo>
+                  <a:lnTo>
+                    <a:pt x="10000" y="0"/>
+                  </a:lnTo>
+                  <a:lnTo>
+                    <a:pt x="10000" y="10000"/>
+                  </a:lnTo>
+                  <a:lnTo>
+                    <a:pt x="0" y="10000"/>
+                  </a:lnTo>
+                  <a:lnTo>
+                    <a:pt x="0" y="9126"/>
+                  </a:lnTo>
+                  <a:lnTo>
+                    <a:pt x="8761" y="9127"/>
+                  </a:lnTo>
+                  <a:lnTo>
+                    <a:pt x="8761" y="0"/>
+                  </a:lnTo>
+                  <a:close/>
+                </a:path>
+              </a:pathLst>
+            </a:custGeom>
+            <a:solidFill>
+              <a:schemeClr val="tx2"/>
+            </a:solidFill>
+            <a:ln w="0">
+              <a:noFill/>
+              <a:prstDash val="solid"/>
+              <a:round/>
+              <a:headEnd/>
+              <a:tailEnd/>
+            </a:ln>
+          </p:spPr>
+        </p:sp>
+        <p:sp>
+          <p:nvSpPr>
+            <p:cNvPr id="14" name="Freeform 6">
+              <a:extLst>
+                <a:ext uri="{FF2B5EF4-FFF2-40B4-BE49-F238E27FC236}">
+                  <a16:creationId xmlns:a16="http://schemas.microsoft.com/office/drawing/2014/main" id="{E2AF2C17-4AB4-4402-B84B-129EF95D161C}"/>
+                </a:ext>
+                <a:ext uri="{C183D7F6-B498-43B3-948B-1728B52AA6E4}">
+                  <adec:decorative xmlns:adec="http://schemas.microsoft.com/office/drawing/2017/decorative" val="1"/>
+                </a:ext>
+              </a:extLst>
+            </p:cNvPr>
+            <p:cNvSpPr/>
+            <p:nvPr>
+              <p:extLst>
+                <p:ext uri="{386F3935-93C4-4BCD-93E2-E3B085C9AB24}">
+                  <p16:designElem xmlns:p16="http://schemas.microsoft.com/office/powerpoint/2015/main" val="1"/>
+                </p:ext>
+              </p:extLst>
+            </p:nvPr>
+          </p:nvSpPr>
+          <p:spPr bwMode="auto">
+            <a:xfrm flipH="1" flipV="1">
+              <a:off x="752858" y="744469"/>
+              <a:ext cx="3275668" cy="4408488"/>
+            </a:xfrm>
+            <a:custGeom>
+              <a:avLst/>
+              <a:gdLst/>
+              <a:ahLst/>
+              <a:cxnLst/>
+              <a:rect l="l" t="t" r="r" b="b"/>
+              <a:pathLst>
+                <a:path w="10002" h="10000">
+                  <a:moveTo>
+                    <a:pt x="8763" y="0"/>
+                  </a:moveTo>
+                  <a:lnTo>
+                    <a:pt x="10002" y="0"/>
+                  </a:lnTo>
+                  <a:lnTo>
+                    <a:pt x="10002" y="10000"/>
+                  </a:lnTo>
+                  <a:lnTo>
+                    <a:pt x="2" y="10000"/>
+                  </a:lnTo>
+                  <a:cubicBezTo>
+                    <a:pt x="-2" y="9698"/>
+                    <a:pt x="4" y="9427"/>
+                    <a:pt x="0" y="9125"/>
+                  </a:cubicBezTo>
+                  <a:lnTo>
+                    <a:pt x="8763" y="9128"/>
+                  </a:lnTo>
+                  <a:lnTo>
+                    <a:pt x="8763" y="0"/>
+                  </a:lnTo>
+                  <a:close/>
+                </a:path>
+              </a:pathLst>
+            </a:custGeom>
+            <a:solidFill>
+              <a:schemeClr val="tx2"/>
+            </a:solidFill>
+            <a:ln w="0">
+              <a:noFill/>
+              <a:prstDash val="solid"/>
+              <a:round/>
+              <a:headEnd/>
+              <a:tailEnd/>
+            </a:ln>
+          </p:spPr>
+        </p:sp>
+      </p:grpSp>
+      <p:sp useBgFill="1">
+        <p:nvSpPr>
+          <p:cNvPr id="16" name="Rectangle 15">
+            <a:extLst>
+              <a:ext uri="{FF2B5EF4-FFF2-40B4-BE49-F238E27FC236}">
+                <a16:creationId xmlns:a16="http://schemas.microsoft.com/office/drawing/2014/main" id="{5D213B41-AC9B-4E61-BEED-FF4C168A8942}"/>
+              </a:ext>
+              <a:ext uri="{C183D7F6-B498-43B3-948B-1728B52AA6E4}">
+                <adec:decorative xmlns:adec="http://schemas.microsoft.com/office/drawing/2017/decorative" val="1"/>
+              </a:ext>
+            </a:extLst>
+          </p:cNvPr>
+          <p:cNvSpPr>
+            <a:spLocks noGrp="1" noRot="1" noChangeAspect="1" noMove="1" noResize="1" noEditPoints="1" noAdjustHandles="1" noChangeArrowheads="1" noChangeShapeType="1" noTextEdit="1"/>
+          </p:cNvSpPr>
+          <p:nvPr>
+            <p:extLst>
+              <p:ext uri="{386F3935-93C4-4BCD-93E2-E3B085C9AB24}">
+                <p16:designElem xmlns:p16="http://schemas.microsoft.com/office/powerpoint/2015/main" val="1"/>
+              </p:ext>
+            </p:extLst>
+          </p:nvPr>
+        </p:nvSpPr>
+        <p:spPr>
+          <a:xfrm>
+            <a:off x="0" y="0"/>
+            <a:ext cx="12192000" cy="6858000"/>
+          </a:xfrm>
+          <a:prstGeom prst="rect">
+            <a:avLst/>
+          </a:prstGeom>
+          <a:ln>
+            <a:noFill/>
+          </a:ln>
+        </p:spPr>
+        <p:style>
+          <a:lnRef idx="2">
+            <a:schemeClr val="accent1">
+              <a:shade val="50000"/>
+            </a:schemeClr>
+          </a:lnRef>
+          <a:fillRef idx="1001">
+            <a:schemeClr val="lt2"/>
+          </a:fillRef>
+          <a:effectRef idx="0">
+            <a:schemeClr val="accent1"/>
+          </a:effectRef>
+          <a:fontRef idx="minor">
+            <a:schemeClr val="lt1"/>
+          </a:fontRef>
+        </p:style>
+        <p:txBody>
+          <a:bodyPr rtlCol="0" anchor="ctr"/>
+          <a:lstStyle/>
+          <a:p>
+            <a:pPr algn="ctr"/>
+            <a:endParaRPr lang="en-US"/>
+          </a:p>
+        </p:txBody>
+      </p:sp>
+      <p:sp>
+        <p:nvSpPr>
+          <p:cNvPr id="7" name="Title 6">
+            <a:extLst>
+              <a:ext uri="{FF2B5EF4-FFF2-40B4-BE49-F238E27FC236}">
+                <a16:creationId xmlns:a16="http://schemas.microsoft.com/office/drawing/2014/main" id="{D4075718-1213-1F4A-AB14-21AD9219F415}"/>
+              </a:ext>
+            </a:extLst>
+          </p:cNvPr>
+          <p:cNvSpPr>
+            <a:spLocks noGrp="1"/>
+          </p:cNvSpPr>
+          <p:nvPr>
+            <p:ph type="title"/>
+          </p:nvPr>
+        </p:nvSpPr>
+        <p:spPr>
+          <a:xfrm>
+            <a:off x="659230" y="4484772"/>
+            <a:ext cx="10869750" cy="1237298"/>
+          </a:xfrm>
+        </p:spPr>
+        <p:txBody>
+          <a:bodyPr vert="horz" lIns="91440" tIns="45720" rIns="91440" bIns="45720" rtlCol="0" anchor="b">
+            <a:normAutofit/>
+          </a:bodyPr>
+          <a:lstStyle/>
+          <a:p>
+            <a:pPr algn="ctr"/>
+            <a:r>
+              <a:rPr lang="en-US" sz="7200" cap="all" dirty="0"/>
+              <a:t>Remove example</a:t>
+            </a:r>
+          </a:p>
+        </p:txBody>
+      </p:sp>
+      <p:sp>
+        <p:nvSpPr>
+          <p:cNvPr id="18" name="Freeform 6">
+            <a:extLst>
+              <a:ext uri="{FF2B5EF4-FFF2-40B4-BE49-F238E27FC236}">
+                <a16:creationId xmlns:a16="http://schemas.microsoft.com/office/drawing/2014/main" id="{D8BB75D5-93A7-4EC9-A2FB-DCBDE6DE3008}"/>
+              </a:ext>
+              <a:ext uri="{C183D7F6-B498-43B3-948B-1728B52AA6E4}">
+                <adec:decorative xmlns:adec="http://schemas.microsoft.com/office/drawing/2017/decorative" val="1"/>
+              </a:ext>
+            </a:extLst>
+          </p:cNvPr>
+          <p:cNvSpPr>
+            <a:spLocks noGrp="1" noRot="1" noChangeAspect="1" noMove="1" noResize="1" noEditPoints="1" noAdjustHandles="1" noChangeArrowheads="1" noChangeShapeType="1" noTextEdit="1"/>
+          </p:cNvSpPr>
+          <p:nvPr>
+            <p:extLst>
+              <p:ext uri="{386F3935-93C4-4BCD-93E2-E3B085C9AB24}">
+                <p16:designElem xmlns:p16="http://schemas.microsoft.com/office/powerpoint/2015/main" val="1"/>
+              </p:ext>
+            </p:extLst>
+          </p:nvPr>
+        </p:nvSpPr>
+        <p:spPr bwMode="auto">
+          <a:xfrm rot="5400000" flipH="1">
+            <a:off x="1046527" y="-133294"/>
+            <a:ext cx="3275668" cy="4408488"/>
+          </a:xfrm>
+          <a:custGeom>
+            <a:avLst/>
+            <a:gdLst/>
+            <a:ahLst/>
+            <a:cxnLst/>
+            <a:rect l="l" t="t" r="r" b="b"/>
+            <a:pathLst>
+              <a:path w="10002" h="10000">
+                <a:moveTo>
+                  <a:pt x="8763" y="0"/>
+                </a:moveTo>
+                <a:lnTo>
+                  <a:pt x="10002" y="0"/>
+                </a:lnTo>
+                <a:lnTo>
+                  <a:pt x="10002" y="10000"/>
+                </a:lnTo>
+                <a:lnTo>
+                  <a:pt x="2" y="10000"/>
+                </a:lnTo>
+                <a:cubicBezTo>
+                  <a:pt x="-2" y="9698"/>
+                  <a:pt x="4" y="9427"/>
+                  <a:pt x="0" y="9125"/>
+                </a:cubicBezTo>
+                <a:lnTo>
+                  <a:pt x="8763" y="9128"/>
+                </a:lnTo>
+                <a:lnTo>
+                  <a:pt x="8763" y="0"/>
+                </a:lnTo>
+                <a:close/>
+              </a:path>
+            </a:pathLst>
+          </a:custGeom>
+          <a:solidFill>
+            <a:schemeClr val="tx2"/>
+          </a:solidFill>
+          <a:ln w="0">
+            <a:noFill/>
+            <a:prstDash val="solid"/>
+            <a:round/>
+            <a:headEnd/>
+            <a:tailEnd/>
+          </a:ln>
+        </p:spPr>
+      </p:sp>
+      <p:sp>
+        <p:nvSpPr>
+          <p:cNvPr id="20" name="Freeform 6">
+            <a:extLst>
+              <a:ext uri="{FF2B5EF4-FFF2-40B4-BE49-F238E27FC236}">
+                <a16:creationId xmlns:a16="http://schemas.microsoft.com/office/drawing/2014/main" id="{628FBD9F-3B86-4C98-8F77-383320737739}"/>
+              </a:ext>
+              <a:ext uri="{C183D7F6-B498-43B3-948B-1728B52AA6E4}">
+                <adec:decorative xmlns:adec="http://schemas.microsoft.com/office/drawing/2017/decorative" val="1"/>
+              </a:ext>
+            </a:extLst>
+          </p:cNvPr>
+          <p:cNvSpPr>
+            <a:spLocks noGrp="1" noRot="1" noChangeAspect="1" noMove="1" noResize="1" noEditPoints="1" noAdjustHandles="1" noChangeArrowheads="1" noChangeShapeType="1" noTextEdit="1"/>
+          </p:cNvSpPr>
+          <p:nvPr>
+            <p:extLst>
+              <p:ext uri="{386F3935-93C4-4BCD-93E2-E3B085C9AB24}">
+                <p16:designElem xmlns:p16="http://schemas.microsoft.com/office/powerpoint/2015/main" val="1"/>
+              </p:ext>
+            </p:extLst>
+          </p:nvPr>
+        </p:nvSpPr>
+        <p:spPr bwMode="auto">
+          <a:xfrm rot="5400000" flipV="1">
+            <a:off x="7838485" y="614084"/>
+            <a:ext cx="3275013" cy="4408488"/>
+          </a:xfrm>
+          <a:custGeom>
+            <a:avLst/>
+            <a:gdLst/>
+            <a:ahLst/>
+            <a:cxnLst/>
+            <a:rect l="l" t="t" r="r" b="b"/>
+            <a:pathLst>
+              <a:path w="10000" h="10000">
+                <a:moveTo>
+                  <a:pt x="8761" y="0"/>
+                </a:moveTo>
+                <a:lnTo>
+                  <a:pt x="10000" y="0"/>
+                </a:lnTo>
+                <a:lnTo>
+                  <a:pt x="10000" y="10000"/>
+                </a:lnTo>
+                <a:lnTo>
+                  <a:pt x="0" y="10000"/>
+                </a:lnTo>
+                <a:lnTo>
+                  <a:pt x="0" y="9126"/>
+                </a:lnTo>
+                <a:lnTo>
+                  <a:pt x="8761" y="9127"/>
+                </a:lnTo>
+                <a:lnTo>
+                  <a:pt x="8761" y="0"/>
+                </a:lnTo>
+                <a:close/>
+              </a:path>
+            </a:pathLst>
+          </a:custGeom>
+          <a:solidFill>
+            <a:schemeClr val="tx2"/>
+          </a:solidFill>
+          <a:ln w="0">
+            <a:noFill/>
+            <a:prstDash val="solid"/>
+            <a:round/>
+            <a:headEnd/>
+            <a:tailEnd/>
+          </a:ln>
+        </p:spPr>
+      </p:sp>
+      <p:pic>
+        <p:nvPicPr>
+          <p:cNvPr id="5" name="Content Placeholder 4">
+            <a:extLst>
+              <a:ext uri="{FF2B5EF4-FFF2-40B4-BE49-F238E27FC236}">
+                <a16:creationId xmlns:a16="http://schemas.microsoft.com/office/drawing/2014/main" id="{CB3B2516-1709-954B-BAF4-47A891A7FB46}"/>
+              </a:ext>
+            </a:extLst>
+          </p:cNvPr>
+          <p:cNvPicPr>
+            <a:picLocks noGrp="1" noChangeAspect="1"/>
+          </p:cNvPicPr>
+          <p:nvPr>
+            <p:ph idx="1"/>
+          </p:nvPr>
+        </p:nvPicPr>
+        <p:blipFill>
+          <a:blip r:embed="rId2"/>
+          <a:stretch>
+            <a:fillRect/>
+          </a:stretch>
+        </p:blipFill>
+        <p:spPr>
+          <a:xfrm>
+            <a:off x="1182862" y="1291830"/>
+            <a:ext cx="9797173" cy="2302336"/>
+          </a:xfrm>
+          <a:prstGeom prst="rect">
+            <a:avLst/>
+          </a:prstGeom>
+        </p:spPr>
+      </p:pic>
+    </p:spTree>
+    <p:extLst>
+      <p:ext uri="{BB962C8B-B14F-4D97-AF65-F5344CB8AC3E}">
+        <p14:creationId xmlns:p14="http://schemas.microsoft.com/office/powerpoint/2010/main" val="1375007389"/>
+      </p:ext>
+    </p:extLst>
+  </p:cSld>
+  <p:clrMapOvr>
+    <a:masterClrMapping/>
+  </p:clrMapOvr>
+</p:sld>
+</file>
+
+<file path=ppt/slides/slide17.xml><?xml version="1.0" encoding="utf-8"?>
+<p:sld xmlns:a="http://schemas.openxmlformats.org/drawingml/2006/main" xmlns:r="http://schemas.openxmlformats.org/officeDocument/2006/relationships" xmlns:p="http://schemas.openxmlformats.org/presentationml/2006/main">
+  <p:cSld>
+    <p:bg>
+      <p:bgPr>
+        <a:solidFill>
+          <a:schemeClr val="bg2"/>
+        </a:solidFill>
+        <a:effectLst/>
+      </p:bgPr>
+    </p:bg>
+    <p:spTree>
+      <p:nvGrpSpPr>
+        <p:cNvPr id="1" name=""/>
+        <p:cNvGrpSpPr/>
+        <p:nvPr/>
+      </p:nvGrpSpPr>
+      <p:grpSpPr>
+        <a:xfrm>
+          <a:off x="0" y="0"/>
+          <a:ext cx="0" cy="0"/>
+          <a:chOff x="0" y="0"/>
+          <a:chExt cx="0" cy="0"/>
+        </a:xfrm>
+      </p:grpSpPr>
+      <p:grpSp>
+        <p:nvGrpSpPr>
+          <p:cNvPr id="10" name="Group 9">
+            <a:extLst>
+              <a:ext uri="{FF2B5EF4-FFF2-40B4-BE49-F238E27FC236}">
+                <a16:creationId xmlns:a16="http://schemas.microsoft.com/office/drawing/2014/main" id="{449BC34D-9C23-4D6D-8213-1F471AF85B3F}"/>
+              </a:ext>
+              <a:ext uri="{C183D7F6-B498-43B3-948B-1728B52AA6E4}">
+                <adec:decorative xmlns:adec="http://schemas.microsoft.com/office/drawing/2017/decorative" val="1"/>
+              </a:ext>
+            </a:extLst>
+          </p:cNvPr>
+          <p:cNvGrpSpPr>
+            <a:grpSpLocks noGrp="1" noUngrp="1" noRot="1" noChangeAspect="1" noMove="1" noResize="1"/>
+          </p:cNvGrpSpPr>
+          <p:nvPr>
+            <p:extLst>
+              <p:ext uri="{386F3935-93C4-4BCD-93E2-E3B085C9AB24}">
+                <p16:designElem xmlns:p16="http://schemas.microsoft.com/office/powerpoint/2015/main" val="1"/>
+              </p:ext>
+            </p:extLst>
+          </p:nvPr>
+        </p:nvGrpSpPr>
+        <p:grpSpPr>
+          <a:xfrm>
+            <a:off x="752858" y="744469"/>
+            <a:ext cx="10674117" cy="5349671"/>
+            <a:chOff x="752858" y="744469"/>
+            <a:chExt cx="10674117" cy="5349671"/>
+          </a:xfrm>
+        </p:grpSpPr>
+        <p:sp>
+          <p:nvSpPr>
+            <p:cNvPr id="11" name="Freeform 6">
+              <a:extLst>
+                <a:ext uri="{FF2B5EF4-FFF2-40B4-BE49-F238E27FC236}">
+                  <a16:creationId xmlns:a16="http://schemas.microsoft.com/office/drawing/2014/main" id="{FA0F5D6C-5025-4D7E-82DD-C2C6FDA1E759}"/>
+                </a:ext>
+                <a:ext uri="{C183D7F6-B498-43B3-948B-1728B52AA6E4}">
+                  <adec:decorative xmlns:adec="http://schemas.microsoft.com/office/drawing/2017/decorative" val="1"/>
+                </a:ext>
+              </a:extLst>
+            </p:cNvPr>
+            <p:cNvSpPr/>
+            <p:nvPr>
+              <p:extLst>
+                <p:ext uri="{386F3935-93C4-4BCD-93E2-E3B085C9AB24}">
+                  <p16:designElem xmlns:p16="http://schemas.microsoft.com/office/powerpoint/2015/main" val="1"/>
+                </p:ext>
+              </p:extLst>
+            </p:nvPr>
+          </p:nvSpPr>
+          <p:spPr bwMode="auto">
+            <a:xfrm>
+              <a:off x="8151962" y="1685652"/>
+              <a:ext cx="3275013" cy="4408488"/>
+            </a:xfrm>
+            <a:custGeom>
+              <a:avLst/>
+              <a:gdLst/>
+              <a:ahLst/>
+              <a:cxnLst/>
+              <a:rect l="l" t="t" r="r" b="b"/>
+              <a:pathLst>
+                <a:path w="10000" h="10000">
+                  <a:moveTo>
+                    <a:pt x="8761" y="0"/>
+                  </a:moveTo>
+                  <a:lnTo>
+                    <a:pt x="10000" y="0"/>
+                  </a:lnTo>
+                  <a:lnTo>
+                    <a:pt x="10000" y="10000"/>
+                  </a:lnTo>
+                  <a:lnTo>
+                    <a:pt x="0" y="10000"/>
+                  </a:lnTo>
+                  <a:lnTo>
+                    <a:pt x="0" y="9126"/>
+                  </a:lnTo>
+                  <a:lnTo>
+                    <a:pt x="8761" y="9127"/>
+                  </a:lnTo>
+                  <a:lnTo>
+                    <a:pt x="8761" y="0"/>
+                  </a:lnTo>
+                  <a:close/>
+                </a:path>
+              </a:pathLst>
+            </a:custGeom>
+            <a:solidFill>
+              <a:schemeClr val="tx2"/>
+            </a:solidFill>
+            <a:ln w="0">
+              <a:noFill/>
+              <a:prstDash val="solid"/>
+              <a:round/>
+              <a:headEnd/>
+              <a:tailEnd/>
+            </a:ln>
+          </p:spPr>
+        </p:sp>
+        <p:sp>
+          <p:nvSpPr>
+            <p:cNvPr id="12" name="Freeform 6">
+              <a:extLst>
+                <a:ext uri="{FF2B5EF4-FFF2-40B4-BE49-F238E27FC236}">
+                  <a16:creationId xmlns:a16="http://schemas.microsoft.com/office/drawing/2014/main" id="{E2AF2C17-4AB4-4402-B84B-129EF95D161C}"/>
+                </a:ext>
+                <a:ext uri="{C183D7F6-B498-43B3-948B-1728B52AA6E4}">
+                  <adec:decorative xmlns:adec="http://schemas.microsoft.com/office/drawing/2017/decorative" val="1"/>
+                </a:ext>
+              </a:extLst>
+            </p:cNvPr>
+            <p:cNvSpPr/>
+            <p:nvPr>
+              <p:extLst>
+                <p:ext uri="{386F3935-93C4-4BCD-93E2-E3B085C9AB24}">
+                  <p16:designElem xmlns:p16="http://schemas.microsoft.com/office/powerpoint/2015/main" val="1"/>
+                </p:ext>
+              </p:extLst>
+            </p:nvPr>
+          </p:nvSpPr>
+          <p:spPr bwMode="auto">
+            <a:xfrm flipH="1" flipV="1">
+              <a:off x="752858" y="744469"/>
+              <a:ext cx="3275668" cy="4408488"/>
+            </a:xfrm>
+            <a:custGeom>
+              <a:avLst/>
+              <a:gdLst/>
+              <a:ahLst/>
+              <a:cxnLst/>
+              <a:rect l="l" t="t" r="r" b="b"/>
+              <a:pathLst>
+                <a:path w="10002" h="10000">
+                  <a:moveTo>
+                    <a:pt x="8763" y="0"/>
+                  </a:moveTo>
+                  <a:lnTo>
+                    <a:pt x="10002" y="0"/>
+                  </a:lnTo>
+                  <a:lnTo>
+                    <a:pt x="10002" y="10000"/>
+                  </a:lnTo>
+                  <a:lnTo>
+                    <a:pt x="2" y="10000"/>
+                  </a:lnTo>
+                  <a:cubicBezTo>
+                    <a:pt x="-2" y="9698"/>
+                    <a:pt x="4" y="9427"/>
+                    <a:pt x="0" y="9125"/>
+                  </a:cubicBezTo>
+                  <a:lnTo>
+                    <a:pt x="8763" y="9128"/>
+                  </a:lnTo>
+                  <a:lnTo>
+                    <a:pt x="8763" y="0"/>
+                  </a:lnTo>
+                  <a:close/>
+                </a:path>
+              </a:pathLst>
+            </a:custGeom>
+            <a:solidFill>
+              <a:schemeClr val="tx2"/>
+            </a:solidFill>
+            <a:ln w="0">
+              <a:noFill/>
+              <a:prstDash val="solid"/>
+              <a:round/>
+              <a:headEnd/>
+              <a:tailEnd/>
+            </a:ln>
+          </p:spPr>
+        </p:sp>
+      </p:grpSp>
+      <p:sp useBgFill="1">
+        <p:nvSpPr>
+          <p:cNvPr id="14" name="Rectangle 13">
+            <a:extLst>
+              <a:ext uri="{FF2B5EF4-FFF2-40B4-BE49-F238E27FC236}">
+                <a16:creationId xmlns:a16="http://schemas.microsoft.com/office/drawing/2014/main" id="{5D213B41-AC9B-4E61-BEED-FF4C168A8942}"/>
+              </a:ext>
+              <a:ext uri="{C183D7F6-B498-43B3-948B-1728B52AA6E4}">
+                <adec:decorative xmlns:adec="http://schemas.microsoft.com/office/drawing/2017/decorative" val="1"/>
+              </a:ext>
+            </a:extLst>
+          </p:cNvPr>
+          <p:cNvSpPr>
+            <a:spLocks noGrp="1" noRot="1" noChangeAspect="1" noMove="1" noResize="1" noEditPoints="1" noAdjustHandles="1" noChangeArrowheads="1" noChangeShapeType="1" noTextEdit="1"/>
+          </p:cNvSpPr>
+          <p:nvPr>
+            <p:extLst>
+              <p:ext uri="{386F3935-93C4-4BCD-93E2-E3B085C9AB24}">
+                <p16:designElem xmlns:p16="http://schemas.microsoft.com/office/powerpoint/2015/main" val="1"/>
+              </p:ext>
+            </p:extLst>
+          </p:nvPr>
+        </p:nvSpPr>
+        <p:spPr>
+          <a:xfrm>
+            <a:off x="0" y="0"/>
+            <a:ext cx="12192000" cy="6858000"/>
+          </a:xfrm>
+          <a:prstGeom prst="rect">
+            <a:avLst/>
+          </a:prstGeom>
+          <a:ln>
+            <a:noFill/>
+          </a:ln>
+        </p:spPr>
+        <p:style>
+          <a:lnRef idx="2">
+            <a:schemeClr val="accent1">
+              <a:shade val="50000"/>
+            </a:schemeClr>
+          </a:lnRef>
+          <a:fillRef idx="1001">
+            <a:schemeClr val="lt2"/>
+          </a:fillRef>
+          <a:effectRef idx="0">
+            <a:schemeClr val="accent1"/>
+          </a:effectRef>
+          <a:fontRef idx="minor">
+            <a:schemeClr val="lt1"/>
+          </a:fontRef>
+        </p:style>
+        <p:txBody>
+          <a:bodyPr rtlCol="0" anchor="ctr"/>
+          <a:lstStyle/>
+          <a:p>
+            <a:pPr algn="ctr"/>
+            <a:endParaRPr lang="en-US"/>
+          </a:p>
+        </p:txBody>
+      </p:sp>
+      <p:sp>
+        <p:nvSpPr>
+          <p:cNvPr id="2" name="Title 1">
+            <a:extLst>
+              <a:ext uri="{FF2B5EF4-FFF2-40B4-BE49-F238E27FC236}">
+                <a16:creationId xmlns:a16="http://schemas.microsoft.com/office/drawing/2014/main" id="{A4AAFDD6-195C-CD4A-ACFA-380E69F501DB}"/>
+              </a:ext>
+            </a:extLst>
+          </p:cNvPr>
+          <p:cNvSpPr>
+            <a:spLocks noGrp="1"/>
+          </p:cNvSpPr>
+          <p:nvPr>
+            <p:ph type="title"/>
+          </p:nvPr>
+        </p:nvSpPr>
+        <p:spPr>
+          <a:xfrm>
+            <a:off x="659230" y="4484772"/>
+            <a:ext cx="10869750" cy="1237298"/>
+          </a:xfrm>
+        </p:spPr>
+        <p:txBody>
+          <a:bodyPr vert="horz" lIns="91440" tIns="45720" rIns="91440" bIns="45720" rtlCol="0" anchor="b">
+            <a:normAutofit/>
+          </a:bodyPr>
+          <a:lstStyle/>
+          <a:p>
+            <a:pPr algn="ctr"/>
+            <a:r>
+              <a:rPr lang="en-US" sz="4000" cap="all"/>
+              <a:t>Recreating the zoom effect with setView()</a:t>
+            </a:r>
+          </a:p>
+        </p:txBody>
+      </p:sp>
+      <p:sp>
+        <p:nvSpPr>
+          <p:cNvPr id="16" name="Freeform 6">
+            <a:extLst>
+              <a:ext uri="{FF2B5EF4-FFF2-40B4-BE49-F238E27FC236}">
+                <a16:creationId xmlns:a16="http://schemas.microsoft.com/office/drawing/2014/main" id="{D8BB75D5-93A7-4EC9-A2FB-DCBDE6DE3008}"/>
+              </a:ext>
+              <a:ext uri="{C183D7F6-B498-43B3-948B-1728B52AA6E4}">
+                <adec:decorative xmlns:adec="http://schemas.microsoft.com/office/drawing/2017/decorative" val="1"/>
+              </a:ext>
+            </a:extLst>
+          </p:cNvPr>
+          <p:cNvSpPr>
+            <a:spLocks noGrp="1" noRot="1" noChangeAspect="1" noMove="1" noResize="1" noEditPoints="1" noAdjustHandles="1" noChangeArrowheads="1" noChangeShapeType="1" noTextEdit="1"/>
+          </p:cNvSpPr>
+          <p:nvPr>
+            <p:extLst>
+              <p:ext uri="{386F3935-93C4-4BCD-93E2-E3B085C9AB24}">
+                <p16:designElem xmlns:p16="http://schemas.microsoft.com/office/powerpoint/2015/main" val="1"/>
+              </p:ext>
+            </p:extLst>
+          </p:nvPr>
+        </p:nvSpPr>
+        <p:spPr bwMode="auto">
+          <a:xfrm rot="5400000" flipH="1">
+            <a:off x="1046527" y="-133294"/>
+            <a:ext cx="3275668" cy="4408488"/>
+          </a:xfrm>
+          <a:custGeom>
+            <a:avLst/>
+            <a:gdLst/>
+            <a:ahLst/>
+            <a:cxnLst/>
+            <a:rect l="l" t="t" r="r" b="b"/>
+            <a:pathLst>
+              <a:path w="10002" h="10000">
+                <a:moveTo>
+                  <a:pt x="8763" y="0"/>
+                </a:moveTo>
+                <a:lnTo>
+                  <a:pt x="10002" y="0"/>
+                </a:lnTo>
+                <a:lnTo>
+                  <a:pt x="10002" y="10000"/>
+                </a:lnTo>
+                <a:lnTo>
+                  <a:pt x="2" y="10000"/>
+                </a:lnTo>
+                <a:cubicBezTo>
+                  <a:pt x="-2" y="9698"/>
+                  <a:pt x="4" y="9427"/>
+                  <a:pt x="0" y="9125"/>
+                </a:cubicBezTo>
+                <a:lnTo>
+                  <a:pt x="8763" y="9128"/>
+                </a:lnTo>
+                <a:lnTo>
+                  <a:pt x="8763" y="0"/>
+                </a:lnTo>
+                <a:close/>
+              </a:path>
+            </a:pathLst>
+          </a:custGeom>
+          <a:solidFill>
+            <a:schemeClr val="tx2"/>
+          </a:solidFill>
+          <a:ln w="0">
+            <a:noFill/>
+            <a:prstDash val="solid"/>
+            <a:round/>
+            <a:headEnd/>
+            <a:tailEnd/>
+          </a:ln>
+        </p:spPr>
+      </p:sp>
+      <p:sp>
+        <p:nvSpPr>
+          <p:cNvPr id="18" name="Freeform 6">
+            <a:extLst>
+              <a:ext uri="{FF2B5EF4-FFF2-40B4-BE49-F238E27FC236}">
+                <a16:creationId xmlns:a16="http://schemas.microsoft.com/office/drawing/2014/main" id="{628FBD9F-3B86-4C98-8F77-383320737739}"/>
+              </a:ext>
+              <a:ext uri="{C183D7F6-B498-43B3-948B-1728B52AA6E4}">
+                <adec:decorative xmlns:adec="http://schemas.microsoft.com/office/drawing/2017/decorative" val="1"/>
+              </a:ext>
+            </a:extLst>
+          </p:cNvPr>
+          <p:cNvSpPr>
+            <a:spLocks noGrp="1" noRot="1" noChangeAspect="1" noMove="1" noResize="1" noEditPoints="1" noAdjustHandles="1" noChangeArrowheads="1" noChangeShapeType="1" noTextEdit="1"/>
+          </p:cNvSpPr>
+          <p:nvPr>
+            <p:extLst>
+              <p:ext uri="{386F3935-93C4-4BCD-93E2-E3B085C9AB24}">
+                <p16:designElem xmlns:p16="http://schemas.microsoft.com/office/powerpoint/2015/main" val="1"/>
+              </p:ext>
+            </p:extLst>
+          </p:nvPr>
+        </p:nvSpPr>
+        <p:spPr bwMode="auto">
+          <a:xfrm rot="5400000" flipV="1">
+            <a:off x="7838485" y="614084"/>
+            <a:ext cx="3275013" cy="4408488"/>
+          </a:xfrm>
+          <a:custGeom>
+            <a:avLst/>
+            <a:gdLst/>
+            <a:ahLst/>
+            <a:cxnLst/>
+            <a:rect l="l" t="t" r="r" b="b"/>
+            <a:pathLst>
+              <a:path w="10000" h="10000">
+                <a:moveTo>
+                  <a:pt x="8761" y="0"/>
+                </a:moveTo>
+                <a:lnTo>
+                  <a:pt x="10000" y="0"/>
+                </a:lnTo>
+                <a:lnTo>
+                  <a:pt x="10000" y="10000"/>
+                </a:lnTo>
+                <a:lnTo>
+                  <a:pt x="0" y="10000"/>
+                </a:lnTo>
+                <a:lnTo>
+                  <a:pt x="0" y="9126"/>
+                </a:lnTo>
+                <a:lnTo>
+                  <a:pt x="8761" y="9127"/>
+                </a:lnTo>
+                <a:lnTo>
+                  <a:pt x="8761" y="0"/>
+                </a:lnTo>
+                <a:close/>
+              </a:path>
+            </a:pathLst>
+          </a:custGeom>
+          <a:solidFill>
+            <a:schemeClr val="tx2"/>
+          </a:solidFill>
+          <a:ln w="0">
+            <a:noFill/>
+            <a:prstDash val="solid"/>
+            <a:round/>
+            <a:headEnd/>
+            <a:tailEnd/>
+          </a:ln>
+        </p:spPr>
+      </p:sp>
+      <p:pic>
+        <p:nvPicPr>
+          <p:cNvPr id="5" name="Content Placeholder 4">
+            <a:extLst>
+              <a:ext uri="{FF2B5EF4-FFF2-40B4-BE49-F238E27FC236}">
+                <a16:creationId xmlns:a16="http://schemas.microsoft.com/office/drawing/2014/main" id="{4A0B010C-9B56-354D-9CC1-0E49193DDF36}"/>
+              </a:ext>
+            </a:extLst>
+          </p:cNvPr>
+          <p:cNvPicPr>
+            <a:picLocks noGrp="1" noChangeAspect="1"/>
+          </p:cNvPicPr>
+          <p:nvPr>
+            <p:ph idx="1"/>
+          </p:nvPr>
+        </p:nvPicPr>
+        <p:blipFill>
+          <a:blip r:embed="rId2"/>
+          <a:stretch>
+            <a:fillRect/>
+          </a:stretch>
+        </p:blipFill>
+        <p:spPr>
+          <a:xfrm>
+            <a:off x="1182862" y="1402048"/>
+            <a:ext cx="9797173" cy="2081899"/>
+          </a:xfrm>
+          <a:prstGeom prst="rect">
+            <a:avLst/>
+          </a:prstGeom>
+        </p:spPr>
+      </p:pic>
+    </p:spTree>
+    <p:extLst>
+      <p:ext uri="{BB962C8B-B14F-4D97-AF65-F5344CB8AC3E}">
+        <p14:creationId xmlns:p14="http://schemas.microsoft.com/office/powerpoint/2010/main" val="3645399467"/>
       </p:ext>
     </p:extLst>
   </p:cSld>
@@ -7700,13 +9550,8 @@
           <a:p>
             <a:r>
               <a:rPr lang="en-US" dirty="0"/>
-              <a:t>The Easy </a:t>
-            </a:r>
-            <a:r>
-              <a:rPr lang="en-US" dirty="0" err="1"/>
-              <a:t>WAy</a:t>
-            </a:r>
-            <a:endParaRPr lang="en-US" dirty="0"/>
+              <a:t>The Easy Road</a:t>
+            </a:r>
           </a:p>
         </p:txBody>
       </p:sp>
@@ -7754,6 +9599,14 @@
 <file path=ppt/slides/slide7.xml><?xml version="1.0" encoding="utf-8"?>
 <p:sld xmlns:a="http://schemas.openxmlformats.org/drawingml/2006/main" xmlns:r="http://schemas.openxmlformats.org/officeDocument/2006/relationships" xmlns:p="http://schemas.openxmlformats.org/presentationml/2006/main">
   <p:cSld>
+    <p:bg>
+      <p:bgPr>
+        <a:solidFill>
+          <a:schemeClr val="bg2"/>
+        </a:solidFill>
+        <a:effectLst/>
+      </p:bgPr>
+    </p:bg>
     <p:spTree>
       <p:nvGrpSpPr>
         <p:cNvPr id="1" name=""/>
@@ -7768,6 +9621,390 @@
           <a:chExt cx="0" cy="0"/>
         </a:xfrm>
       </p:grpSpPr>
+      <p:grpSp>
+        <p:nvGrpSpPr>
+          <p:cNvPr id="20" name="Group 9">
+            <a:extLst>
+              <a:ext uri="{FF2B5EF4-FFF2-40B4-BE49-F238E27FC236}">
+                <a16:creationId xmlns:a16="http://schemas.microsoft.com/office/drawing/2014/main" id="{449BC34D-9C23-4D6D-8213-1F471AF85B3F}"/>
+              </a:ext>
+              <a:ext uri="{C183D7F6-B498-43B3-948B-1728B52AA6E4}">
+                <adec:decorative xmlns:adec="http://schemas.microsoft.com/office/drawing/2017/decorative" val="1"/>
+              </a:ext>
+            </a:extLst>
+          </p:cNvPr>
+          <p:cNvGrpSpPr>
+            <a:grpSpLocks noGrp="1" noUngrp="1" noRot="1" noChangeAspect="1" noMove="1" noResize="1"/>
+          </p:cNvGrpSpPr>
+          <p:nvPr>
+            <p:extLst>
+              <p:ext uri="{386F3935-93C4-4BCD-93E2-E3B085C9AB24}">
+                <p16:designElem xmlns:p16="http://schemas.microsoft.com/office/powerpoint/2015/main" val="1"/>
+              </p:ext>
+            </p:extLst>
+          </p:nvPr>
+        </p:nvGrpSpPr>
+        <p:grpSpPr>
+          <a:xfrm>
+            <a:off x="752858" y="744469"/>
+            <a:ext cx="10674117" cy="5349671"/>
+            <a:chOff x="752858" y="744469"/>
+            <a:chExt cx="10674117" cy="5349671"/>
+          </a:xfrm>
+        </p:grpSpPr>
+        <p:sp>
+          <p:nvSpPr>
+            <p:cNvPr id="11" name="Freeform 6">
+              <a:extLst>
+                <a:ext uri="{FF2B5EF4-FFF2-40B4-BE49-F238E27FC236}">
+                  <a16:creationId xmlns:a16="http://schemas.microsoft.com/office/drawing/2014/main" id="{FA0F5D6C-5025-4D7E-82DD-C2C6FDA1E759}"/>
+                </a:ext>
+                <a:ext uri="{C183D7F6-B498-43B3-948B-1728B52AA6E4}">
+                  <adec:decorative xmlns:adec="http://schemas.microsoft.com/office/drawing/2017/decorative" val="1"/>
+                </a:ext>
+              </a:extLst>
+            </p:cNvPr>
+            <p:cNvSpPr/>
+            <p:nvPr>
+              <p:extLst>
+                <p:ext uri="{386F3935-93C4-4BCD-93E2-E3B085C9AB24}">
+                  <p16:designElem xmlns:p16="http://schemas.microsoft.com/office/powerpoint/2015/main" val="1"/>
+                </p:ext>
+              </p:extLst>
+            </p:nvPr>
+          </p:nvSpPr>
+          <p:spPr bwMode="auto">
+            <a:xfrm>
+              <a:off x="8151962" y="1685652"/>
+              <a:ext cx="3275013" cy="4408488"/>
+            </a:xfrm>
+            <a:custGeom>
+              <a:avLst/>
+              <a:gdLst/>
+              <a:ahLst/>
+              <a:cxnLst/>
+              <a:rect l="l" t="t" r="r" b="b"/>
+              <a:pathLst>
+                <a:path w="10000" h="10000">
+                  <a:moveTo>
+                    <a:pt x="8761" y="0"/>
+                  </a:moveTo>
+                  <a:lnTo>
+                    <a:pt x="10000" y="0"/>
+                  </a:lnTo>
+                  <a:lnTo>
+                    <a:pt x="10000" y="10000"/>
+                  </a:lnTo>
+                  <a:lnTo>
+                    <a:pt x="0" y="10000"/>
+                  </a:lnTo>
+                  <a:lnTo>
+                    <a:pt x="0" y="9126"/>
+                  </a:lnTo>
+                  <a:lnTo>
+                    <a:pt x="8761" y="9127"/>
+                  </a:lnTo>
+                  <a:lnTo>
+                    <a:pt x="8761" y="0"/>
+                  </a:lnTo>
+                  <a:close/>
+                </a:path>
+              </a:pathLst>
+            </a:custGeom>
+            <a:solidFill>
+              <a:schemeClr val="tx2"/>
+            </a:solidFill>
+            <a:ln w="0">
+              <a:noFill/>
+              <a:prstDash val="solid"/>
+              <a:round/>
+              <a:headEnd/>
+              <a:tailEnd/>
+            </a:ln>
+          </p:spPr>
+        </p:sp>
+        <p:sp>
+          <p:nvSpPr>
+            <p:cNvPr id="12" name="Freeform 6">
+              <a:extLst>
+                <a:ext uri="{FF2B5EF4-FFF2-40B4-BE49-F238E27FC236}">
+                  <a16:creationId xmlns:a16="http://schemas.microsoft.com/office/drawing/2014/main" id="{E2AF2C17-4AB4-4402-B84B-129EF95D161C}"/>
+                </a:ext>
+                <a:ext uri="{C183D7F6-B498-43B3-948B-1728B52AA6E4}">
+                  <adec:decorative xmlns:adec="http://schemas.microsoft.com/office/drawing/2017/decorative" val="1"/>
+                </a:ext>
+              </a:extLst>
+            </p:cNvPr>
+            <p:cNvSpPr/>
+            <p:nvPr>
+              <p:extLst>
+                <p:ext uri="{386F3935-93C4-4BCD-93E2-E3B085C9AB24}">
+                  <p16:designElem xmlns:p16="http://schemas.microsoft.com/office/powerpoint/2015/main" val="1"/>
+                </p:ext>
+              </p:extLst>
+            </p:nvPr>
+          </p:nvSpPr>
+          <p:spPr bwMode="auto">
+            <a:xfrm flipH="1" flipV="1">
+              <a:off x="752858" y="744469"/>
+              <a:ext cx="3275668" cy="4408488"/>
+            </a:xfrm>
+            <a:custGeom>
+              <a:avLst/>
+              <a:gdLst/>
+              <a:ahLst/>
+              <a:cxnLst/>
+              <a:rect l="l" t="t" r="r" b="b"/>
+              <a:pathLst>
+                <a:path w="10002" h="10000">
+                  <a:moveTo>
+                    <a:pt x="8763" y="0"/>
+                  </a:moveTo>
+                  <a:lnTo>
+                    <a:pt x="10002" y="0"/>
+                  </a:lnTo>
+                  <a:lnTo>
+                    <a:pt x="10002" y="10000"/>
+                  </a:lnTo>
+                  <a:lnTo>
+                    <a:pt x="2" y="10000"/>
+                  </a:lnTo>
+                  <a:cubicBezTo>
+                    <a:pt x="-2" y="9698"/>
+                    <a:pt x="4" y="9427"/>
+                    <a:pt x="0" y="9125"/>
+                  </a:cubicBezTo>
+                  <a:lnTo>
+                    <a:pt x="8763" y="9128"/>
+                  </a:lnTo>
+                  <a:lnTo>
+                    <a:pt x="8763" y="0"/>
+                  </a:lnTo>
+                  <a:close/>
+                </a:path>
+              </a:pathLst>
+            </a:custGeom>
+            <a:solidFill>
+              <a:schemeClr val="tx2"/>
+            </a:solidFill>
+            <a:ln w="0">
+              <a:noFill/>
+              <a:prstDash val="solid"/>
+              <a:round/>
+              <a:headEnd/>
+              <a:tailEnd/>
+            </a:ln>
+          </p:spPr>
+        </p:sp>
+      </p:grpSp>
+      <p:sp useBgFill="1">
+        <p:nvSpPr>
+          <p:cNvPr id="21" name="Rectangle 13">
+            <a:extLst>
+              <a:ext uri="{FF2B5EF4-FFF2-40B4-BE49-F238E27FC236}">
+                <a16:creationId xmlns:a16="http://schemas.microsoft.com/office/drawing/2014/main" id="{68F1F725-3B9F-48FA-85B5-910ED33809BF}"/>
+              </a:ext>
+              <a:ext uri="{C183D7F6-B498-43B3-948B-1728B52AA6E4}">
+                <adec:decorative xmlns:adec="http://schemas.microsoft.com/office/drawing/2017/decorative" val="1"/>
+              </a:ext>
+            </a:extLst>
+          </p:cNvPr>
+          <p:cNvSpPr>
+            <a:spLocks noGrp="1" noRot="1" noChangeAspect="1" noMove="1" noResize="1" noEditPoints="1" noAdjustHandles="1" noChangeArrowheads="1" noChangeShapeType="1" noTextEdit="1"/>
+          </p:cNvSpPr>
+          <p:nvPr>
+            <p:extLst>
+              <p:ext uri="{386F3935-93C4-4BCD-93E2-E3B085C9AB24}">
+                <p16:designElem xmlns:p16="http://schemas.microsoft.com/office/powerpoint/2015/main" val="1"/>
+              </p:ext>
+            </p:extLst>
+          </p:nvPr>
+        </p:nvSpPr>
+        <p:spPr>
+          <a:xfrm>
+            <a:off x="0" y="0"/>
+            <a:ext cx="12192000" cy="6858000"/>
+          </a:xfrm>
+          <a:prstGeom prst="rect">
+            <a:avLst/>
+          </a:prstGeom>
+          <a:ln>
+            <a:noFill/>
+          </a:ln>
+        </p:spPr>
+        <p:style>
+          <a:lnRef idx="2">
+            <a:schemeClr val="accent1">
+              <a:shade val="50000"/>
+            </a:schemeClr>
+          </a:lnRef>
+          <a:fillRef idx="1001">
+            <a:schemeClr val="lt2"/>
+          </a:fillRef>
+          <a:effectRef idx="0">
+            <a:schemeClr val="accent1"/>
+          </a:effectRef>
+          <a:fontRef idx="minor">
+            <a:schemeClr val="lt1"/>
+          </a:fontRef>
+        </p:style>
+        <p:txBody>
+          <a:bodyPr rtlCol="0" anchor="ctr"/>
+          <a:lstStyle/>
+          <a:p>
+            <a:pPr algn="ctr"/>
+            <a:endParaRPr lang="en-US"/>
+          </a:p>
+        </p:txBody>
+      </p:sp>
+      <p:sp>
+        <p:nvSpPr>
+          <p:cNvPr id="22" name="Freeform 6">
+            <a:extLst>
+              <a:ext uri="{FF2B5EF4-FFF2-40B4-BE49-F238E27FC236}">
+                <a16:creationId xmlns:a16="http://schemas.microsoft.com/office/drawing/2014/main" id="{2B98F522-A153-4D25-A159-3223950FC1D9}"/>
+              </a:ext>
+              <a:ext uri="{C183D7F6-B498-43B3-948B-1728B52AA6E4}">
+                <adec:decorative xmlns:adec="http://schemas.microsoft.com/office/drawing/2017/decorative" val="1"/>
+              </a:ext>
+            </a:extLst>
+          </p:cNvPr>
+          <p:cNvSpPr>
+            <a:spLocks noGrp="1" noRot="1" noChangeAspect="1" noMove="1" noResize="1" noEditPoints="1" noAdjustHandles="1" noChangeArrowheads="1" noChangeShapeType="1" noTextEdit="1"/>
+          </p:cNvSpPr>
+          <p:nvPr>
+            <p:extLst>
+              <p:ext uri="{386F3935-93C4-4BCD-93E2-E3B085C9AB24}">
+                <p16:designElem xmlns:p16="http://schemas.microsoft.com/office/powerpoint/2015/main" val="1"/>
+              </p:ext>
+            </p:extLst>
+          </p:nvPr>
+        </p:nvSpPr>
+        <p:spPr bwMode="auto">
+          <a:xfrm rot="5400000" flipH="1">
+            <a:off x="971111" y="-161575"/>
+            <a:ext cx="3275668" cy="4408488"/>
+          </a:xfrm>
+          <a:custGeom>
+            <a:avLst/>
+            <a:gdLst/>
+            <a:ahLst/>
+            <a:cxnLst/>
+            <a:rect l="l" t="t" r="r" b="b"/>
+            <a:pathLst>
+              <a:path w="10002" h="10000">
+                <a:moveTo>
+                  <a:pt x="8763" y="0"/>
+                </a:moveTo>
+                <a:lnTo>
+                  <a:pt x="10002" y="0"/>
+                </a:lnTo>
+                <a:lnTo>
+                  <a:pt x="10002" y="10000"/>
+                </a:lnTo>
+                <a:lnTo>
+                  <a:pt x="2" y="10000"/>
+                </a:lnTo>
+                <a:cubicBezTo>
+                  <a:pt x="-2" y="9698"/>
+                  <a:pt x="4" y="9427"/>
+                  <a:pt x="0" y="9125"/>
+                </a:cubicBezTo>
+                <a:lnTo>
+                  <a:pt x="8763" y="9128"/>
+                </a:lnTo>
+                <a:lnTo>
+                  <a:pt x="8763" y="0"/>
+                </a:lnTo>
+                <a:close/>
+              </a:path>
+            </a:pathLst>
+          </a:custGeom>
+          <a:solidFill>
+            <a:schemeClr val="tx2"/>
+          </a:solidFill>
+          <a:ln w="0">
+            <a:noFill/>
+            <a:prstDash val="solid"/>
+            <a:round/>
+            <a:headEnd/>
+            <a:tailEnd/>
+          </a:ln>
+        </p:spPr>
+      </p:sp>
+      <p:sp>
+        <p:nvSpPr>
+          <p:cNvPr id="23" name="Freeform 6">
+            <a:extLst>
+              <a:ext uri="{FF2B5EF4-FFF2-40B4-BE49-F238E27FC236}">
+                <a16:creationId xmlns:a16="http://schemas.microsoft.com/office/drawing/2014/main" id="{AFFE3E22-88D2-4D23-B65D-9695124B07D9}"/>
+              </a:ext>
+              <a:ext uri="{C183D7F6-B498-43B3-948B-1728B52AA6E4}">
+                <adec:decorative xmlns:adec="http://schemas.microsoft.com/office/drawing/2017/decorative" val="1"/>
+              </a:ext>
+            </a:extLst>
+          </p:cNvPr>
+          <p:cNvSpPr>
+            <a:spLocks noGrp="1" noRot="1" noChangeAspect="1" noMove="1" noResize="1" noEditPoints="1" noAdjustHandles="1" noChangeArrowheads="1" noChangeShapeType="1" noTextEdit="1"/>
+          </p:cNvSpPr>
+          <p:nvPr>
+            <p:extLst>
+              <p:ext uri="{386F3935-93C4-4BCD-93E2-E3B085C9AB24}">
+                <p16:designElem xmlns:p16="http://schemas.microsoft.com/office/powerpoint/2015/main" val="1"/>
+              </p:ext>
+            </p:extLst>
+          </p:nvPr>
+        </p:nvSpPr>
+        <p:spPr bwMode="auto">
+          <a:xfrm rot="5400000" flipV="1">
+            <a:off x="7913902" y="131680"/>
+            <a:ext cx="3275013" cy="4408488"/>
+          </a:xfrm>
+          <a:custGeom>
+            <a:avLst/>
+            <a:gdLst/>
+            <a:ahLst/>
+            <a:cxnLst/>
+            <a:rect l="l" t="t" r="r" b="b"/>
+            <a:pathLst>
+              <a:path w="10000" h="10000">
+                <a:moveTo>
+                  <a:pt x="8761" y="0"/>
+                </a:moveTo>
+                <a:lnTo>
+                  <a:pt x="10000" y="0"/>
+                </a:lnTo>
+                <a:lnTo>
+                  <a:pt x="10000" y="10000"/>
+                </a:lnTo>
+                <a:lnTo>
+                  <a:pt x="0" y="10000"/>
+                </a:lnTo>
+                <a:lnTo>
+                  <a:pt x="0" y="9126"/>
+                </a:lnTo>
+                <a:lnTo>
+                  <a:pt x="8761" y="9127"/>
+                </a:lnTo>
+                <a:lnTo>
+                  <a:pt x="8761" y="0"/>
+                </a:lnTo>
+                <a:close/>
+              </a:path>
+            </a:pathLst>
+          </a:custGeom>
+          <a:solidFill>
+            <a:schemeClr val="tx2"/>
+          </a:solidFill>
+          <a:ln w="0">
+            <a:noFill/>
+            <a:prstDash val="solid"/>
+            <a:round/>
+            <a:headEnd/>
+            <a:tailEnd/>
+          </a:ln>
+        </p:spPr>
+      </p:sp>
       <p:sp>
         <p:nvSpPr>
           <p:cNvPr id="2" name="Title 1">
@@ -7784,43 +10021,58 @@
             <p:ph type="title"/>
           </p:nvPr>
         </p:nvSpPr>
-        <p:spPr/>
+        <p:spPr>
+          <a:xfrm>
+            <a:off x="659230" y="3973431"/>
+            <a:ext cx="10869750" cy="1748639"/>
+          </a:xfrm>
+        </p:spPr>
         <p:txBody>
-          <a:bodyPr/>
+          <a:bodyPr vert="horz" lIns="91440" tIns="45720" rIns="91440" bIns="45720" rtlCol="0" anchor="b">
+            <a:normAutofit/>
+          </a:bodyPr>
           <a:lstStyle/>
           <a:p>
-            <a:r>
-              <a:rPr lang="en-US" dirty="0"/>
-              <a:t>Build your leaflet map and pipe in the reactive data</a:t>
+            <a:pPr algn="ctr"/>
+            <a:r>
+              <a:rPr lang="en-US" sz="6100" cap="all" dirty="0"/>
+              <a:t>pipe in the reactive data and then Build your leaflet map</a:t>
             </a:r>
           </a:p>
         </p:txBody>
       </p:sp>
-      <p:sp>
-        <p:nvSpPr>
-          <p:cNvPr id="3" name="Content Placeholder 2">
+      <p:pic>
+        <p:nvPicPr>
+          <p:cNvPr id="5" name="Content Placeholder 4">
             <a:extLst>
               <a:ext uri="{FF2B5EF4-FFF2-40B4-BE49-F238E27FC236}">
-                <a16:creationId xmlns:a16="http://schemas.microsoft.com/office/drawing/2014/main" id="{950C53F6-9ECE-8940-B8B2-534B9DABFFE0}"/>
+                <a16:creationId xmlns:a16="http://schemas.microsoft.com/office/drawing/2014/main" id="{40A26A25-EF1C-9E44-8E88-B239C8F7D654}"/>
               </a:ext>
             </a:extLst>
           </p:cNvPr>
-          <p:cNvSpPr>
-            <a:spLocks noGrp="1"/>
-          </p:cNvSpPr>
+          <p:cNvPicPr>
+            <a:picLocks noGrp="1" noChangeAspect="1"/>
+          </p:cNvPicPr>
           <p:nvPr>
             <p:ph idx="1"/>
           </p:nvPr>
-        </p:nvSpPr>
-        <p:spPr/>
-        <p:txBody>
-          <a:bodyPr/>
-          <a:lstStyle/>
-          <a:p>
-            <a:endParaRPr lang="en-US" dirty="0"/>
-          </a:p>
-        </p:txBody>
-      </p:sp>
+        </p:nvPicPr>
+        <p:blipFill>
+          <a:blip r:embed="rId2"/>
+          <a:stretch>
+            <a:fillRect/>
+          </a:stretch>
+        </p:blipFill>
+        <p:spPr>
+          <a:xfrm>
+            <a:off x="888116" y="1322173"/>
+            <a:ext cx="10385960" cy="1791730"/>
+          </a:xfrm>
+          <a:prstGeom prst="rect">
+            <a:avLst/>
+          </a:prstGeom>
+        </p:spPr>
+      </p:pic>
     </p:spTree>
     <p:extLst>
       <p:ext uri="{BB962C8B-B14F-4D97-AF65-F5344CB8AC3E}">
@@ -7853,10 +10105,10 @@
       </p:grpSpPr>
       <p:sp>
         <p:nvSpPr>
-          <p:cNvPr id="5" name="Title 4">
+          <p:cNvPr id="2" name="Title 1">
             <a:extLst>
               <a:ext uri="{FF2B5EF4-FFF2-40B4-BE49-F238E27FC236}">
-                <a16:creationId xmlns:a16="http://schemas.microsoft.com/office/drawing/2014/main" id="{B0D7F0F8-0651-FE43-B541-990E59E267AF}"/>
+                <a16:creationId xmlns:a16="http://schemas.microsoft.com/office/drawing/2014/main" id="{BA97E424-A139-EC43-B7BA-949809E526C5}"/>
               </a:ext>
             </a:extLst>
           </p:cNvPr>
@@ -7874,17 +10126,17 @@
           <a:p>
             <a:r>
               <a:rPr lang="en-US" dirty="0"/>
-              <a:t>Shiny Proxy</a:t>
+              <a:t>Pros and Cons</a:t>
             </a:r>
           </a:p>
         </p:txBody>
       </p:sp>
       <p:sp>
         <p:nvSpPr>
-          <p:cNvPr id="6" name="Text Placeholder 5">
+          <p:cNvPr id="4" name="Content Placeholder 3">
             <a:extLst>
               <a:ext uri="{FF2B5EF4-FFF2-40B4-BE49-F238E27FC236}">
-                <a16:creationId xmlns:a16="http://schemas.microsoft.com/office/drawing/2014/main" id="{3632D6D6-4FDA-9848-980D-5D27D95C79B3}"/>
+                <a16:creationId xmlns:a16="http://schemas.microsoft.com/office/drawing/2014/main" id="{367FD439-BF59-C444-A906-DF7981A8215A}"/>
               </a:ext>
             </a:extLst>
           </p:cNvPr>
@@ -7892,7 +10144,7 @@
             <a:spLocks noGrp="1"/>
           </p:cNvSpPr>
           <p:nvPr>
-            <p:ph type="body" idx="1"/>
+            <p:ph sz="half" idx="1"/>
           </p:nvPr>
         </p:nvSpPr>
         <p:spPr/>
@@ -7900,6 +10152,85 @@
           <a:bodyPr/>
           <a:lstStyle/>
           <a:p>
+            <a:r>
+              <a:rPr lang="en-US" dirty="0"/>
+              <a:t>Re-zooms the map to the selected data each time a selection is changed</a:t>
+            </a:r>
+          </a:p>
+          <a:p>
+            <a:r>
+              <a:rPr lang="en-US" dirty="0"/>
+              <a:t>You don’t have to use observers or figure out how </a:t>
+            </a:r>
+            <a:r>
+              <a:rPr lang="en-US" dirty="0" err="1"/>
+              <a:t>leafletProxy</a:t>
+            </a:r>
+            <a:r>
+              <a:rPr lang="en-US" dirty="0"/>
+              <a:t>() works</a:t>
+            </a:r>
+          </a:p>
+          <a:p>
+            <a:endParaRPr lang="en-US" dirty="0"/>
+          </a:p>
+        </p:txBody>
+      </p:sp>
+      <p:sp>
+        <p:nvSpPr>
+          <p:cNvPr id="5" name="Content Placeholder 4">
+            <a:extLst>
+              <a:ext uri="{FF2B5EF4-FFF2-40B4-BE49-F238E27FC236}">
+                <a16:creationId xmlns:a16="http://schemas.microsoft.com/office/drawing/2014/main" id="{51DFF8FF-122D-EC41-AA0A-58F3D119EEE8}"/>
+              </a:ext>
+            </a:extLst>
+          </p:cNvPr>
+          <p:cNvSpPr>
+            <a:spLocks noGrp="1"/>
+          </p:cNvSpPr>
+          <p:nvPr>
+            <p:ph sz="half" idx="2"/>
+          </p:nvPr>
+        </p:nvSpPr>
+        <p:spPr/>
+        <p:txBody>
+          <a:bodyPr/>
+          <a:lstStyle/>
+          <a:p>
+            <a:r>
+              <a:rPr lang="en-US" dirty="0"/>
+              <a:t>User options like </a:t>
+            </a:r>
+            <a:r>
+              <a:rPr lang="en-US" dirty="0" err="1"/>
+              <a:t>layerControls</a:t>
+            </a:r>
+            <a:r>
+              <a:rPr lang="en-US" dirty="0"/>
+              <a:t> </a:t>
+            </a:r>
+            <a:r>
+              <a:rPr lang="en-US" dirty="0" err="1"/>
+              <a:t>etc</a:t>
+            </a:r>
+            <a:r>
+              <a:rPr lang="en-US" dirty="0"/>
+              <a:t> will reset every time someone changes one of your filters</a:t>
+            </a:r>
+          </a:p>
+          <a:p>
+            <a:r>
+              <a:rPr lang="en-US" dirty="0"/>
+              <a:t>On a smaller machine this processing will tax the server a bit</a:t>
+            </a:r>
+          </a:p>
+          <a:p>
+            <a:r>
+              <a:rPr lang="en-US" dirty="0"/>
+              <a:t>Re-zooms the map to the selected data each time a selection is changed</a:t>
+            </a:r>
+          </a:p>
+          <a:p>
             <a:endParaRPr lang="en-US" dirty="0"/>
           </a:p>
         </p:txBody>
@@ -7907,7 +10238,7 @@
     </p:spTree>
     <p:extLst>
       <p:ext uri="{BB962C8B-B14F-4D97-AF65-F5344CB8AC3E}">
-        <p14:creationId xmlns:p14="http://schemas.microsoft.com/office/powerpoint/2010/main" val="1986544074"/>
+        <p14:creationId xmlns:p14="http://schemas.microsoft.com/office/powerpoint/2010/main" val="3753453889"/>
       </p:ext>
     </p:extLst>
   </p:cSld>
@@ -7936,10 +10267,10 @@
       </p:grpSpPr>
       <p:sp>
         <p:nvSpPr>
-          <p:cNvPr id="2" name="Title 1">
+          <p:cNvPr id="5" name="Title 4">
             <a:extLst>
               <a:ext uri="{FF2B5EF4-FFF2-40B4-BE49-F238E27FC236}">
-                <a16:creationId xmlns:a16="http://schemas.microsoft.com/office/drawing/2014/main" id="{29E7E273-7898-8A4D-9757-8040AEBB4E98}"/>
+                <a16:creationId xmlns:a16="http://schemas.microsoft.com/office/drawing/2014/main" id="{B0D7F0F8-0651-FE43-B541-990E59E267AF}"/>
               </a:ext>
             </a:extLst>
           </p:cNvPr>
@@ -7955,16 +10286,19 @@
           <a:bodyPr/>
           <a:lstStyle/>
           <a:p>
-            <a:endParaRPr lang="en-US"/>
+            <a:r>
+              <a:rPr lang="en-US" dirty="0"/>
+              <a:t>Shiny Proxy</a:t>
+            </a:r>
           </a:p>
         </p:txBody>
       </p:sp>
       <p:sp>
         <p:nvSpPr>
-          <p:cNvPr id="3" name="Text Placeholder 2">
+          <p:cNvPr id="6" name="Text Placeholder 5">
             <a:extLst>
               <a:ext uri="{FF2B5EF4-FFF2-40B4-BE49-F238E27FC236}">
-                <a16:creationId xmlns:a16="http://schemas.microsoft.com/office/drawing/2014/main" id="{CCD730F5-6A54-EC4F-9049-FE1FB6AB4593}"/>
+                <a16:creationId xmlns:a16="http://schemas.microsoft.com/office/drawing/2014/main" id="{3632D6D6-4FDA-9848-980D-5D27D95C79B3}"/>
               </a:ext>
             </a:extLst>
           </p:cNvPr>
@@ -7980,14 +10314,14 @@
           <a:bodyPr/>
           <a:lstStyle/>
           <a:p>
-            <a:endParaRPr lang="en-US"/>
+            <a:endParaRPr lang="en-US" dirty="0"/>
           </a:p>
         </p:txBody>
       </p:sp>
     </p:spTree>
     <p:extLst>
       <p:ext uri="{BB962C8B-B14F-4D97-AF65-F5344CB8AC3E}">
-        <p14:creationId xmlns:p14="http://schemas.microsoft.com/office/powerpoint/2010/main" val="1658418662"/>
+        <p14:creationId xmlns:p14="http://schemas.microsoft.com/office/powerpoint/2010/main" val="1986544074"/>
       </p:ext>
     </p:extLst>
   </p:cSld>

--- a/Class 10.pptx
+++ b/Class 10.pptx
@@ -5,7 +5,7 @@
     <p:sldMasterId id="2147483672" r:id="rId1"/>
   </p:sldMasterIdLst>
   <p:notesMasterIdLst>
-    <p:notesMasterId r:id="rId19"/>
+    <p:notesMasterId r:id="rId20"/>
   </p:notesMasterIdLst>
   <p:sldIdLst>
     <p:sldId id="256" r:id="rId2"/>
@@ -25,6 +25,7 @@
     <p:sldId id="395" r:id="rId16"/>
     <p:sldId id="396" r:id="rId17"/>
     <p:sldId id="399" r:id="rId18"/>
+    <p:sldId id="400" r:id="rId19"/>
   </p:sldIdLst>
   <p:sldSz cx="12192000" cy="6858000"/>
   <p:notesSz cx="6858000" cy="9144000"/>
@@ -9019,6 +9020,107 @@
 </p:sld>
 </file>
 
+<file path=ppt/slides/slide18.xml><?xml version="1.0" encoding="utf-8"?>
+<p:sld xmlns:a="http://schemas.openxmlformats.org/drawingml/2006/main" xmlns:r="http://schemas.openxmlformats.org/officeDocument/2006/relationships" xmlns:p="http://schemas.openxmlformats.org/presentationml/2006/main">
+  <p:cSld>
+    <p:spTree>
+      <p:nvGrpSpPr>
+        <p:cNvPr id="1" name=""/>
+        <p:cNvGrpSpPr/>
+        <p:nvPr/>
+      </p:nvGrpSpPr>
+      <p:grpSpPr>
+        <a:xfrm>
+          <a:off x="0" y="0"/>
+          <a:ext cx="0" cy="0"/>
+          <a:chOff x="0" y="0"/>
+          <a:chExt cx="0" cy="0"/>
+        </a:xfrm>
+      </p:grpSpPr>
+      <p:sp>
+        <p:nvSpPr>
+          <p:cNvPr id="3" name="Subtitle 2">
+            <a:extLst>
+              <a:ext uri="{FF2B5EF4-FFF2-40B4-BE49-F238E27FC236}">
+                <a16:creationId xmlns:a16="http://schemas.microsoft.com/office/drawing/2014/main" id="{22B4E543-7DD5-5C4F-A7A8-B1BAB833EB0D}"/>
+              </a:ext>
+            </a:extLst>
+          </p:cNvPr>
+          <p:cNvSpPr>
+            <a:spLocks noGrp="1"/>
+          </p:cNvSpPr>
+          <p:nvPr>
+            <p:ph type="subTitle" idx="1"/>
+          </p:nvPr>
+        </p:nvSpPr>
+        <p:spPr>
+          <a:xfrm>
+            <a:off x="2579685" y="5661513"/>
+            <a:ext cx="6831673" cy="504510"/>
+          </a:xfrm>
+        </p:spPr>
+        <p:txBody>
+          <a:bodyPr/>
+          <a:lstStyle/>
+          <a:p>
+            <a:r>
+              <a:rPr lang="en-US" dirty="0"/>
+              <a:t>Let’s look </a:t>
+            </a:r>
+            <a:r>
+              <a:rPr lang="en-US"/>
+              <a:t>at some live </a:t>
+            </a:r>
+            <a:r>
+              <a:rPr lang="en-US" dirty="0"/>
+              <a:t>examples</a:t>
+            </a:r>
+          </a:p>
+        </p:txBody>
+      </p:sp>
+      <p:pic>
+        <p:nvPicPr>
+          <p:cNvPr id="5" name="Picture 4">
+            <a:extLst>
+              <a:ext uri="{FF2B5EF4-FFF2-40B4-BE49-F238E27FC236}">
+                <a16:creationId xmlns:a16="http://schemas.microsoft.com/office/drawing/2014/main" id="{C0927BFC-6286-7D43-A11D-D03CA6387E4F}"/>
+              </a:ext>
+            </a:extLst>
+          </p:cNvPr>
+          <p:cNvPicPr>
+            <a:picLocks noChangeAspect="1"/>
+          </p:cNvPicPr>
+          <p:nvPr/>
+        </p:nvPicPr>
+        <p:blipFill>
+          <a:blip r:embed="rId2"/>
+          <a:stretch>
+            <a:fillRect/>
+          </a:stretch>
+        </p:blipFill>
+        <p:spPr>
+          <a:xfrm>
+            <a:off x="1697866" y="1717589"/>
+            <a:ext cx="8595312" cy="3562928"/>
+          </a:xfrm>
+          <a:prstGeom prst="rect">
+            <a:avLst/>
+          </a:prstGeom>
+        </p:spPr>
+      </p:pic>
+    </p:spTree>
+    <p:extLst>
+      <p:ext uri="{BB962C8B-B14F-4D97-AF65-F5344CB8AC3E}">
+        <p14:creationId xmlns:p14="http://schemas.microsoft.com/office/powerpoint/2010/main" val="3307006820"/>
+      </p:ext>
+    </p:extLst>
+  </p:cSld>
+  <p:clrMapOvr>
+    <a:masterClrMapping/>
+  </p:clrMapOvr>
+</p:sld>
+</file>
+
 <file path=ppt/slides/slide2.xml><?xml version="1.0" encoding="utf-8"?>
 <p:sld xmlns:a="http://schemas.openxmlformats.org/drawingml/2006/main" xmlns:r="http://schemas.openxmlformats.org/officeDocument/2006/relationships" xmlns:p="http://schemas.openxmlformats.org/presentationml/2006/main">
   <p:cSld>

--- a/Class 10.pptx
+++ b/Class 10.pptx
@@ -5,27 +5,28 @@
     <p:sldMasterId id="2147483672" r:id="rId1"/>
   </p:sldMasterIdLst>
   <p:notesMasterIdLst>
-    <p:notesMasterId r:id="rId20"/>
+    <p:notesMasterId r:id="rId21"/>
   </p:notesMasterIdLst>
   <p:sldIdLst>
     <p:sldId id="256" r:id="rId2"/>
-    <p:sldId id="380" r:id="rId3"/>
-    <p:sldId id="381" r:id="rId4"/>
-    <p:sldId id="382" r:id="rId5"/>
-    <p:sldId id="383" r:id="rId6"/>
-    <p:sldId id="385" r:id="rId7"/>
-    <p:sldId id="386" r:id="rId8"/>
-    <p:sldId id="392" r:id="rId9"/>
-    <p:sldId id="384" r:id="rId10"/>
-    <p:sldId id="394" r:id="rId11"/>
-    <p:sldId id="393" r:id="rId12"/>
-    <p:sldId id="391" r:id="rId13"/>
-    <p:sldId id="398" r:id="rId14"/>
-    <p:sldId id="390" r:id="rId15"/>
-    <p:sldId id="395" r:id="rId16"/>
-    <p:sldId id="396" r:id="rId17"/>
-    <p:sldId id="399" r:id="rId18"/>
-    <p:sldId id="400" r:id="rId19"/>
+    <p:sldId id="401" r:id="rId3"/>
+    <p:sldId id="380" r:id="rId4"/>
+    <p:sldId id="381" r:id="rId5"/>
+    <p:sldId id="382" r:id="rId6"/>
+    <p:sldId id="383" r:id="rId7"/>
+    <p:sldId id="385" r:id="rId8"/>
+    <p:sldId id="386" r:id="rId9"/>
+    <p:sldId id="392" r:id="rId10"/>
+    <p:sldId id="384" r:id="rId11"/>
+    <p:sldId id="394" r:id="rId12"/>
+    <p:sldId id="393" r:id="rId13"/>
+    <p:sldId id="391" r:id="rId14"/>
+    <p:sldId id="398" r:id="rId15"/>
+    <p:sldId id="390" r:id="rId16"/>
+    <p:sldId id="395" r:id="rId17"/>
+    <p:sldId id="396" r:id="rId18"/>
+    <p:sldId id="399" r:id="rId19"/>
+    <p:sldId id="400" r:id="rId20"/>
   </p:sldIdLst>
   <p:sldSz cx="12192000" cy="6858000"/>
   <p:notesSz cx="6858000" cy="9144000"/>
@@ -6811,6 +6812,89 @@
       </p:grpSpPr>
       <p:sp>
         <p:nvSpPr>
+          <p:cNvPr id="5" name="Title 4">
+            <a:extLst>
+              <a:ext uri="{FF2B5EF4-FFF2-40B4-BE49-F238E27FC236}">
+                <a16:creationId xmlns:a16="http://schemas.microsoft.com/office/drawing/2014/main" id="{B0D7F0F8-0651-FE43-B541-990E59E267AF}"/>
+              </a:ext>
+            </a:extLst>
+          </p:cNvPr>
+          <p:cNvSpPr>
+            <a:spLocks noGrp="1"/>
+          </p:cNvSpPr>
+          <p:nvPr>
+            <p:ph type="title"/>
+          </p:nvPr>
+        </p:nvSpPr>
+        <p:spPr/>
+        <p:txBody>
+          <a:bodyPr/>
+          <a:lstStyle/>
+          <a:p>
+            <a:r>
+              <a:rPr lang="en-US" dirty="0"/>
+              <a:t>Shiny Proxy</a:t>
+            </a:r>
+          </a:p>
+        </p:txBody>
+      </p:sp>
+      <p:sp>
+        <p:nvSpPr>
+          <p:cNvPr id="6" name="Text Placeholder 5">
+            <a:extLst>
+              <a:ext uri="{FF2B5EF4-FFF2-40B4-BE49-F238E27FC236}">
+                <a16:creationId xmlns:a16="http://schemas.microsoft.com/office/drawing/2014/main" id="{3632D6D6-4FDA-9848-980D-5D27D95C79B3}"/>
+              </a:ext>
+            </a:extLst>
+          </p:cNvPr>
+          <p:cNvSpPr>
+            <a:spLocks noGrp="1"/>
+          </p:cNvSpPr>
+          <p:nvPr>
+            <p:ph type="body" idx="1"/>
+          </p:nvPr>
+        </p:nvSpPr>
+        <p:spPr/>
+        <p:txBody>
+          <a:bodyPr/>
+          <a:lstStyle/>
+          <a:p>
+            <a:endParaRPr lang="en-US" dirty="0"/>
+          </a:p>
+        </p:txBody>
+      </p:sp>
+    </p:spTree>
+    <p:extLst>
+      <p:ext uri="{BB962C8B-B14F-4D97-AF65-F5344CB8AC3E}">
+        <p14:creationId xmlns:p14="http://schemas.microsoft.com/office/powerpoint/2010/main" val="1986544074"/>
+      </p:ext>
+    </p:extLst>
+  </p:cSld>
+  <p:clrMapOvr>
+    <a:masterClrMapping/>
+  </p:clrMapOvr>
+</p:sld>
+</file>
+
+<file path=ppt/slides/slide11.xml><?xml version="1.0" encoding="utf-8"?>
+<p:sld xmlns:a="http://schemas.openxmlformats.org/drawingml/2006/main" xmlns:r="http://schemas.openxmlformats.org/officeDocument/2006/relationships" xmlns:p="http://schemas.openxmlformats.org/presentationml/2006/main">
+  <p:cSld>
+    <p:spTree>
+      <p:nvGrpSpPr>
+        <p:cNvPr id="1" name=""/>
+        <p:cNvGrpSpPr/>
+        <p:nvPr/>
+      </p:nvGrpSpPr>
+      <p:grpSpPr>
+        <a:xfrm>
+          <a:off x="0" y="0"/>
+          <a:ext cx="0" cy="0"/>
+          <a:chOff x="0" y="0"/>
+          <a:chExt cx="0" cy="0"/>
+        </a:xfrm>
+      </p:grpSpPr>
+      <p:sp>
+        <p:nvSpPr>
           <p:cNvPr id="4" name="Title 3">
             <a:extLst>
               <a:ext uri="{FF2B5EF4-FFF2-40B4-BE49-F238E27FC236}">
@@ -6909,158 +6993,6 @@
 </p:sld>
 </file>
 
-<file path=ppt/slides/slide11.xml><?xml version="1.0" encoding="utf-8"?>
-<p:sld xmlns:a="http://schemas.openxmlformats.org/drawingml/2006/main" xmlns:r="http://schemas.openxmlformats.org/officeDocument/2006/relationships" xmlns:p="http://schemas.openxmlformats.org/presentationml/2006/main">
-  <p:cSld>
-    <p:spTree>
-      <p:nvGrpSpPr>
-        <p:cNvPr id="1" name=""/>
-        <p:cNvGrpSpPr/>
-        <p:nvPr/>
-      </p:nvGrpSpPr>
-      <p:grpSpPr>
-        <a:xfrm>
-          <a:off x="0" y="0"/>
-          <a:ext cx="0" cy="0"/>
-          <a:chOff x="0" y="0"/>
-          <a:chExt cx="0" cy="0"/>
-        </a:xfrm>
-      </p:grpSpPr>
-      <p:sp>
-        <p:nvSpPr>
-          <p:cNvPr id="2" name="Title 1">
-            <a:extLst>
-              <a:ext uri="{FF2B5EF4-FFF2-40B4-BE49-F238E27FC236}">
-                <a16:creationId xmlns:a16="http://schemas.microsoft.com/office/drawing/2014/main" id="{BA97E424-A139-EC43-B7BA-949809E526C5}"/>
-              </a:ext>
-            </a:extLst>
-          </p:cNvPr>
-          <p:cNvSpPr>
-            <a:spLocks noGrp="1"/>
-          </p:cNvSpPr>
-          <p:nvPr>
-            <p:ph type="title"/>
-          </p:nvPr>
-        </p:nvSpPr>
-        <p:spPr/>
-        <p:txBody>
-          <a:bodyPr/>
-          <a:lstStyle/>
-          <a:p>
-            <a:r>
-              <a:rPr lang="en-US" dirty="0"/>
-              <a:t>Pros and Cons</a:t>
-            </a:r>
-          </a:p>
-        </p:txBody>
-      </p:sp>
-      <p:sp>
-        <p:nvSpPr>
-          <p:cNvPr id="4" name="Content Placeholder 3">
-            <a:extLst>
-              <a:ext uri="{FF2B5EF4-FFF2-40B4-BE49-F238E27FC236}">
-                <a16:creationId xmlns:a16="http://schemas.microsoft.com/office/drawing/2014/main" id="{367FD439-BF59-C444-A906-DF7981A8215A}"/>
-              </a:ext>
-            </a:extLst>
-          </p:cNvPr>
-          <p:cNvSpPr>
-            <a:spLocks noGrp="1"/>
-          </p:cNvSpPr>
-          <p:nvPr>
-            <p:ph sz="half" idx="1"/>
-          </p:nvPr>
-        </p:nvSpPr>
-        <p:spPr/>
-        <p:txBody>
-          <a:bodyPr/>
-          <a:lstStyle/>
-          <a:p>
-            <a:r>
-              <a:rPr lang="en-US" dirty="0"/>
-              <a:t>Faster than rebuilding the entire map each time</a:t>
-            </a:r>
-          </a:p>
-          <a:p>
-            <a:r>
-              <a:rPr lang="en-US" dirty="0"/>
-              <a:t>User controls stay consistent throughout</a:t>
-            </a:r>
-          </a:p>
-          <a:p>
-            <a:r>
-              <a:rPr lang="en-US" dirty="0"/>
-              <a:t>You have to write an observer to re-zoom the map</a:t>
-            </a:r>
-          </a:p>
-          <a:p>
-            <a:r>
-              <a:rPr lang="en-US" dirty="0"/>
-              <a:t>You can do fun user input based things</a:t>
-            </a:r>
-          </a:p>
-          <a:p>
-            <a:endParaRPr lang="en-US" dirty="0"/>
-          </a:p>
-        </p:txBody>
-      </p:sp>
-      <p:sp>
-        <p:nvSpPr>
-          <p:cNvPr id="5" name="Content Placeholder 4">
-            <a:extLst>
-              <a:ext uri="{FF2B5EF4-FFF2-40B4-BE49-F238E27FC236}">
-                <a16:creationId xmlns:a16="http://schemas.microsoft.com/office/drawing/2014/main" id="{51DFF8FF-122D-EC41-AA0A-58F3D119EEE8}"/>
-              </a:ext>
-            </a:extLst>
-          </p:cNvPr>
-          <p:cNvSpPr>
-            <a:spLocks noGrp="1"/>
-          </p:cNvSpPr>
-          <p:nvPr>
-            <p:ph sz="half" idx="2"/>
-          </p:nvPr>
-        </p:nvSpPr>
-        <p:spPr/>
-        <p:txBody>
-          <a:bodyPr/>
-          <a:lstStyle/>
-          <a:p>
-            <a:r>
-              <a:rPr lang="en-US" dirty="0"/>
-              <a:t>Doesn’t re-zoom the map each time the user changes a selection</a:t>
-            </a:r>
-          </a:p>
-          <a:p>
-            <a:r>
-              <a:rPr lang="en-US" dirty="0"/>
-              <a:t>Requires an understanding of how observe() and </a:t>
-            </a:r>
-            <a:r>
-              <a:rPr lang="en-US" dirty="0" err="1"/>
-              <a:t>leafletProxy</a:t>
-            </a:r>
-            <a:r>
-              <a:rPr lang="en-US" dirty="0"/>
-              <a:t>() work</a:t>
-            </a:r>
-          </a:p>
-          <a:p>
-            <a:endParaRPr lang="en-US" dirty="0"/>
-          </a:p>
-        </p:txBody>
-      </p:sp>
-    </p:spTree>
-    <p:extLst>
-      <p:ext uri="{BB962C8B-B14F-4D97-AF65-F5344CB8AC3E}">
-        <p14:creationId xmlns:p14="http://schemas.microsoft.com/office/powerpoint/2010/main" val="1334858375"/>
-      </p:ext>
-    </p:extLst>
-  </p:cSld>
-  <p:clrMapOvr>
-    <a:masterClrMapping/>
-  </p:clrMapOvr>
-</p:sld>
-</file>
-
 <file path=ppt/slides/slide12.xml><?xml version="1.0" encoding="utf-8"?>
 <p:sld xmlns:a="http://schemas.openxmlformats.org/drawingml/2006/main" xmlns:r="http://schemas.openxmlformats.org/officeDocument/2006/relationships" xmlns:p="http://schemas.openxmlformats.org/presentationml/2006/main">
   <p:cSld>
@@ -7083,7 +7015,7 @@
           <p:cNvPr id="2" name="Title 1">
             <a:extLst>
               <a:ext uri="{FF2B5EF4-FFF2-40B4-BE49-F238E27FC236}">
-                <a16:creationId xmlns:a16="http://schemas.microsoft.com/office/drawing/2014/main" id="{8A9724C5-5AA3-F64C-8261-1D49075A70C8}"/>
+                <a16:creationId xmlns:a16="http://schemas.microsoft.com/office/drawing/2014/main" id="{BA97E424-A139-EC43-B7BA-949809E526C5}"/>
               </a:ext>
             </a:extLst>
           </p:cNvPr>
@@ -7101,17 +7033,17 @@
           <a:p>
             <a:r>
               <a:rPr lang="en-US" dirty="0"/>
-              <a:t>Observer functions</a:t>
+              <a:t>Pros and Cons</a:t>
             </a:r>
           </a:p>
         </p:txBody>
       </p:sp>
       <p:sp>
         <p:nvSpPr>
-          <p:cNvPr id="3" name="Content Placeholder 2">
+          <p:cNvPr id="4" name="Content Placeholder 3">
             <a:extLst>
               <a:ext uri="{FF2B5EF4-FFF2-40B4-BE49-F238E27FC236}">
-                <a16:creationId xmlns:a16="http://schemas.microsoft.com/office/drawing/2014/main" id="{F1CA257C-EDBE-484E-A5FA-8C2A51B7DECA}"/>
+                <a16:creationId xmlns:a16="http://schemas.microsoft.com/office/drawing/2014/main" id="{367FD439-BF59-C444-A906-DF7981A8215A}"/>
               </a:ext>
             </a:extLst>
           </p:cNvPr>
@@ -7129,7 +7061,25 @@
           <a:p>
             <a:r>
               <a:rPr lang="en-US" dirty="0"/>
-              <a:t>Observe works much like reactive except they change things permanently.</a:t>
+              <a:t>Faster than rebuilding the entire map each time</a:t>
+            </a:r>
+          </a:p>
+          <a:p>
+            <a:r>
+              <a:rPr lang="en-US" dirty="0"/>
+              <a:t>User controls stay consistent throughout</a:t>
+            </a:r>
+          </a:p>
+          <a:p>
+            <a:r>
+              <a:rPr lang="en-US" dirty="0"/>
+              <a:t>You have to write an observer to re-zoom the map</a:t>
+            </a:r>
+          </a:p>
+          <a:p>
+            <a:r>
+              <a:rPr lang="en-US" dirty="0"/>
+              <a:t>You can do fun user input based things</a:t>
             </a:r>
           </a:p>
           <a:p>
@@ -7139,10 +7089,10 @@
       </p:sp>
       <p:sp>
         <p:nvSpPr>
-          <p:cNvPr id="4" name="Content Placeholder 3">
+          <p:cNvPr id="5" name="Content Placeholder 4">
             <a:extLst>
               <a:ext uri="{FF2B5EF4-FFF2-40B4-BE49-F238E27FC236}">
-                <a16:creationId xmlns:a16="http://schemas.microsoft.com/office/drawing/2014/main" id="{C452FF21-D410-8547-8EA4-5214D33997D2}"/>
+                <a16:creationId xmlns:a16="http://schemas.microsoft.com/office/drawing/2014/main" id="{51DFF8FF-122D-EC41-AA0A-58F3D119EEE8}"/>
               </a:ext>
             </a:extLst>
           </p:cNvPr>
@@ -7158,40 +7108,23 @@
           <a:bodyPr/>
           <a:lstStyle/>
           <a:p>
-            <a:pPr marL="0" indent="0">
-              <a:buNone/>
-            </a:pPr>
             <a:r>
               <a:rPr lang="en-US" dirty="0"/>
-              <a:t>For example:</a:t>
+              <a:t>Doesn’t re-zoom the map each time the user changes a selection</a:t>
             </a:r>
           </a:p>
           <a:p>
             <a:r>
               <a:rPr lang="en-US" dirty="0"/>
-              <a:t>Input updates</a:t>
-            </a:r>
-          </a:p>
-          <a:p>
+              <a:t>Requires an understanding of how observe() and </a:t>
+            </a:r>
+            <a:r>
+              <a:rPr lang="en-US" dirty="0" err="1"/>
+              <a:t>leafletProxy</a:t>
+            </a:r>
             <a:r>
               <a:rPr lang="en-US" dirty="0"/>
-              <a:t>notifications</a:t>
-            </a:r>
-          </a:p>
-          <a:p>
-            <a:r>
-              <a:rPr lang="en-US" dirty="0" err="1"/>
-              <a:t>shinyjs</a:t>
-            </a:r>
-            <a:r>
-              <a:rPr lang="en-US" dirty="0"/>
-              <a:t> things such as disable/enabling buttons</a:t>
-            </a:r>
-          </a:p>
-          <a:p>
-            <a:r>
-              <a:rPr lang="en-US" dirty="0"/>
-              <a:t>A leaflet map</a:t>
+              <a:t>() work</a:t>
             </a:r>
           </a:p>
           <a:p>
@@ -7202,7 +7135,7 @@
     </p:spTree>
     <p:extLst>
       <p:ext uri="{BB962C8B-B14F-4D97-AF65-F5344CB8AC3E}">
-        <p14:creationId xmlns:p14="http://schemas.microsoft.com/office/powerpoint/2010/main" val="1562499968"/>
+        <p14:creationId xmlns:p14="http://schemas.microsoft.com/office/powerpoint/2010/main" val="1334858375"/>
       </p:ext>
     </p:extLst>
   </p:cSld>
@@ -7234,7 +7167,7 @@
           <p:cNvPr id="2" name="Title 1">
             <a:extLst>
               <a:ext uri="{FF2B5EF4-FFF2-40B4-BE49-F238E27FC236}">
-                <a16:creationId xmlns:a16="http://schemas.microsoft.com/office/drawing/2014/main" id="{83A9A3BC-BA23-9349-BEEE-DBDFCD6D677C}"/>
+                <a16:creationId xmlns:a16="http://schemas.microsoft.com/office/drawing/2014/main" id="{8A9724C5-5AA3-F64C-8261-1D49075A70C8}"/>
               </a:ext>
             </a:extLst>
           </p:cNvPr>
@@ -7252,7 +7185,7 @@
           <a:p>
             <a:r>
               <a:rPr lang="en-US" dirty="0"/>
-              <a:t>Leaflet provides inputs</a:t>
+              <a:t>Observer functions</a:t>
             </a:r>
           </a:p>
         </p:txBody>
@@ -7262,7 +7195,7 @@
           <p:cNvPr id="3" name="Content Placeholder 2">
             <a:extLst>
               <a:ext uri="{FF2B5EF4-FFF2-40B4-BE49-F238E27FC236}">
-                <a16:creationId xmlns:a16="http://schemas.microsoft.com/office/drawing/2014/main" id="{38DEB76E-96D3-A74B-BD3C-EFCA235A1105}"/>
+                <a16:creationId xmlns:a16="http://schemas.microsoft.com/office/drawing/2014/main" id="{F1CA257C-EDBE-484E-A5FA-8C2A51B7DECA}"/>
               </a:ext>
             </a:extLst>
           </p:cNvPr>
@@ -7270,7 +7203,7 @@
             <a:spLocks noGrp="1"/>
           </p:cNvSpPr>
           <p:nvPr>
-            <p:ph idx="1"/>
+            <p:ph sz="half" idx="1"/>
           </p:nvPr>
         </p:nvSpPr>
         <p:spPr/>
@@ -7278,144 +7211,82 @@
           <a:bodyPr/>
           <a:lstStyle/>
           <a:p>
+            <a:r>
+              <a:rPr lang="en-US" dirty="0"/>
+              <a:t>Observe works much like reactive except they change things permanently.</a:t>
+            </a:r>
+          </a:p>
+          <a:p>
+            <a:endParaRPr lang="en-US" dirty="0"/>
+          </a:p>
+        </p:txBody>
+      </p:sp>
+      <p:sp>
+        <p:nvSpPr>
+          <p:cNvPr id="4" name="Content Placeholder 3">
+            <a:extLst>
+              <a:ext uri="{FF2B5EF4-FFF2-40B4-BE49-F238E27FC236}">
+                <a16:creationId xmlns:a16="http://schemas.microsoft.com/office/drawing/2014/main" id="{C452FF21-D410-8547-8EA4-5214D33997D2}"/>
+              </a:ext>
+            </a:extLst>
+          </p:cNvPr>
+          <p:cNvSpPr>
+            <a:spLocks noGrp="1"/>
+          </p:cNvSpPr>
+          <p:nvPr>
+            <p:ph sz="half" idx="2"/>
+          </p:nvPr>
+        </p:nvSpPr>
+        <p:spPr/>
+        <p:txBody>
+          <a:bodyPr/>
+          <a:lstStyle/>
+          <a:p>
             <a:pPr marL="0" indent="0">
               <a:buNone/>
             </a:pPr>
             <a:r>
               <a:rPr lang="en-US" dirty="0"/>
-              <a:t>In all of these examples “leaflet” is whatever you called your (</a:t>
-            </a:r>
+              <a:t>For example:</a:t>
+            </a:r>
+          </a:p>
+          <a:p>
+            <a:r>
+              <a:rPr lang="en-US" dirty="0"/>
+              <a:t>Input updates</a:t>
+            </a:r>
+          </a:p>
+          <a:p>
+            <a:r>
+              <a:rPr lang="en-US" dirty="0"/>
+              <a:t>notifications</a:t>
+            </a:r>
+          </a:p>
+          <a:p>
             <a:r>
               <a:rPr lang="en-US" dirty="0" err="1"/>
-              <a:t>ie</a:t>
+              <a:t>shinyjs</a:t>
             </a:r>
             <a:r>
               <a:rPr lang="en-US" dirty="0"/>
-              <a:t>: </a:t>
-            </a:r>
-            <a:r>
-              <a:rPr lang="en-US" dirty="0" err="1"/>
-              <a:t>output$leaflet</a:t>
-            </a:r>
+              <a:t> things such as disable/enabling buttons</a:t>
+            </a:r>
+          </a:p>
+          <a:p>
             <a:r>
               <a:rPr lang="en-US" dirty="0"/>
-              <a:t>)</a:t>
-            </a:r>
-          </a:p>
-          <a:p>
-            <a:r>
-              <a:rPr lang="en-US" dirty="0" err="1"/>
-              <a:t>input$leaflet_center</a:t>
-            </a:r>
-            <a:r>
-              <a:rPr lang="en-US" dirty="0"/>
-              <a:t> (</a:t>
-            </a:r>
-            <a:r>
-              <a:rPr lang="en-US" dirty="0" err="1"/>
-              <a:t>lat</a:t>
-            </a:r>
-            <a:r>
-              <a:rPr lang="en-US" dirty="0"/>
-              <a:t>, </a:t>
-            </a:r>
-            <a:r>
-              <a:rPr lang="en-US" dirty="0" err="1"/>
-              <a:t>lng</a:t>
-            </a:r>
-            <a:r>
-              <a:rPr lang="en-US" dirty="0"/>
-              <a:t>) </a:t>
-            </a:r>
-          </a:p>
-          <a:p>
-            <a:r>
-              <a:rPr lang="en-US" dirty="0" err="1"/>
-              <a:t>input$leaflet_zoom</a:t>
-            </a:r>
-            <a:r>
-              <a:rPr lang="en-US" dirty="0"/>
-              <a:t> (numeric)</a:t>
-            </a:r>
-          </a:p>
-          <a:p>
-            <a:r>
-              <a:rPr lang="en-US" dirty="0" err="1"/>
-              <a:t>input$leaflet_bounds</a:t>
-            </a:r>
-            <a:r>
-              <a:rPr lang="en-US" dirty="0"/>
-              <a:t>$ (north, east, south, west)</a:t>
-            </a:r>
-          </a:p>
-          <a:p>
-            <a:r>
-              <a:rPr lang="en-US" dirty="0" err="1"/>
-              <a:t>input$leaflet_marker_mouseout</a:t>
-            </a:r>
-            <a:r>
-              <a:rPr lang="en-US" dirty="0"/>
-              <a:t>$ (id, group, </a:t>
-            </a:r>
-            <a:r>
-              <a:rPr lang="en-US" dirty="0" err="1"/>
-              <a:t>lat</a:t>
-            </a:r>
-            <a:r>
-              <a:rPr lang="en-US" dirty="0"/>
-              <a:t>, </a:t>
-            </a:r>
-            <a:r>
-              <a:rPr lang="en-US" dirty="0" err="1"/>
-              <a:t>lng</a:t>
-            </a:r>
-            <a:r>
-              <a:rPr lang="en-US" dirty="0"/>
-              <a:t>)</a:t>
-            </a:r>
-          </a:p>
-          <a:p>
-            <a:r>
-              <a:rPr lang="en-US" dirty="0" err="1"/>
-              <a:t>input$leaflet_marker_click</a:t>
-            </a:r>
-            <a:r>
-              <a:rPr lang="en-US" dirty="0"/>
-              <a:t>$ (id, group, </a:t>
-            </a:r>
-            <a:r>
-              <a:rPr lang="en-US" dirty="0" err="1"/>
-              <a:t>lat</a:t>
-            </a:r>
-            <a:r>
-              <a:rPr lang="en-US" dirty="0"/>
-              <a:t>, </a:t>
-            </a:r>
-            <a:r>
-              <a:rPr lang="en-US" dirty="0" err="1"/>
-              <a:t>lng</a:t>
-            </a:r>
-            <a:r>
-              <a:rPr lang="en-US" dirty="0"/>
-              <a:t>)</a:t>
-            </a:r>
-          </a:p>
-          <a:p>
-            <a:r>
-              <a:rPr lang="en-US" dirty="0" err="1"/>
-              <a:t>input$leaflet_groups</a:t>
-            </a:r>
-            <a:r>
-              <a:rPr lang="en-US" dirty="0"/>
-              <a:t> (list)</a:t>
-            </a:r>
+              <a:t>A leaflet map</a:t>
+            </a:r>
+          </a:p>
+          <a:p>
+            <a:endParaRPr lang="en-US" dirty="0"/>
           </a:p>
         </p:txBody>
       </p:sp>
     </p:spTree>
     <p:extLst>
       <p:ext uri="{BB962C8B-B14F-4D97-AF65-F5344CB8AC3E}">
-        <p14:creationId xmlns:p14="http://schemas.microsoft.com/office/powerpoint/2010/main" val="2422922887"/>
+        <p14:creationId xmlns:p14="http://schemas.microsoft.com/office/powerpoint/2010/main" val="1562499968"/>
       </p:ext>
     </p:extLst>
   </p:cSld>
@@ -7447,6 +7318,219 @@
           <p:cNvPr id="2" name="Title 1">
             <a:extLst>
               <a:ext uri="{FF2B5EF4-FFF2-40B4-BE49-F238E27FC236}">
+                <a16:creationId xmlns:a16="http://schemas.microsoft.com/office/drawing/2014/main" id="{83A9A3BC-BA23-9349-BEEE-DBDFCD6D677C}"/>
+              </a:ext>
+            </a:extLst>
+          </p:cNvPr>
+          <p:cNvSpPr>
+            <a:spLocks noGrp="1"/>
+          </p:cNvSpPr>
+          <p:nvPr>
+            <p:ph type="title"/>
+          </p:nvPr>
+        </p:nvSpPr>
+        <p:spPr/>
+        <p:txBody>
+          <a:bodyPr/>
+          <a:lstStyle/>
+          <a:p>
+            <a:r>
+              <a:rPr lang="en-US" dirty="0"/>
+              <a:t>Leaflet provides inputs</a:t>
+            </a:r>
+          </a:p>
+        </p:txBody>
+      </p:sp>
+      <p:sp>
+        <p:nvSpPr>
+          <p:cNvPr id="3" name="Content Placeholder 2">
+            <a:extLst>
+              <a:ext uri="{FF2B5EF4-FFF2-40B4-BE49-F238E27FC236}">
+                <a16:creationId xmlns:a16="http://schemas.microsoft.com/office/drawing/2014/main" id="{38DEB76E-96D3-A74B-BD3C-EFCA235A1105}"/>
+              </a:ext>
+            </a:extLst>
+          </p:cNvPr>
+          <p:cNvSpPr>
+            <a:spLocks noGrp="1"/>
+          </p:cNvSpPr>
+          <p:nvPr>
+            <p:ph idx="1"/>
+          </p:nvPr>
+        </p:nvSpPr>
+        <p:spPr/>
+        <p:txBody>
+          <a:bodyPr/>
+          <a:lstStyle/>
+          <a:p>
+            <a:pPr marL="0" indent="0">
+              <a:buNone/>
+            </a:pPr>
+            <a:r>
+              <a:rPr lang="en-US" dirty="0"/>
+              <a:t>In all of these examples “leaflet” is whatever you called your (</a:t>
+            </a:r>
+            <a:r>
+              <a:rPr lang="en-US" dirty="0" err="1"/>
+              <a:t>ie</a:t>
+            </a:r>
+            <a:r>
+              <a:rPr lang="en-US" dirty="0"/>
+              <a:t>: </a:t>
+            </a:r>
+            <a:r>
+              <a:rPr lang="en-US" dirty="0" err="1"/>
+              <a:t>output$leaflet</a:t>
+            </a:r>
+            <a:r>
+              <a:rPr lang="en-US" dirty="0"/>
+              <a:t>)</a:t>
+            </a:r>
+          </a:p>
+          <a:p>
+            <a:r>
+              <a:rPr lang="en-US" dirty="0" err="1"/>
+              <a:t>input$leaflet_center</a:t>
+            </a:r>
+            <a:r>
+              <a:rPr lang="en-US" dirty="0"/>
+              <a:t> (</a:t>
+            </a:r>
+            <a:r>
+              <a:rPr lang="en-US" dirty="0" err="1"/>
+              <a:t>lat</a:t>
+            </a:r>
+            <a:r>
+              <a:rPr lang="en-US" dirty="0"/>
+              <a:t>, </a:t>
+            </a:r>
+            <a:r>
+              <a:rPr lang="en-US" dirty="0" err="1"/>
+              <a:t>lng</a:t>
+            </a:r>
+            <a:r>
+              <a:rPr lang="en-US" dirty="0"/>
+              <a:t>) </a:t>
+            </a:r>
+          </a:p>
+          <a:p>
+            <a:r>
+              <a:rPr lang="en-US" dirty="0" err="1"/>
+              <a:t>input$leaflet_zoom</a:t>
+            </a:r>
+            <a:r>
+              <a:rPr lang="en-US" dirty="0"/>
+              <a:t> (numeric)</a:t>
+            </a:r>
+          </a:p>
+          <a:p>
+            <a:r>
+              <a:rPr lang="en-US" dirty="0" err="1"/>
+              <a:t>input$leaflet_bounds</a:t>
+            </a:r>
+            <a:r>
+              <a:rPr lang="en-US" dirty="0"/>
+              <a:t>$ (north, east, south, west)</a:t>
+            </a:r>
+          </a:p>
+          <a:p>
+            <a:r>
+              <a:rPr lang="en-US" dirty="0" err="1"/>
+              <a:t>input$leaflet_marker_mouseout</a:t>
+            </a:r>
+            <a:r>
+              <a:rPr lang="en-US" dirty="0"/>
+              <a:t>$ (id, group, </a:t>
+            </a:r>
+            <a:r>
+              <a:rPr lang="en-US" dirty="0" err="1"/>
+              <a:t>lat</a:t>
+            </a:r>
+            <a:r>
+              <a:rPr lang="en-US" dirty="0"/>
+              <a:t>, </a:t>
+            </a:r>
+            <a:r>
+              <a:rPr lang="en-US" dirty="0" err="1"/>
+              <a:t>lng</a:t>
+            </a:r>
+            <a:r>
+              <a:rPr lang="en-US" dirty="0"/>
+              <a:t>)</a:t>
+            </a:r>
+          </a:p>
+          <a:p>
+            <a:r>
+              <a:rPr lang="en-US" dirty="0" err="1"/>
+              <a:t>input$leaflet_marker_click</a:t>
+            </a:r>
+            <a:r>
+              <a:rPr lang="en-US" dirty="0"/>
+              <a:t>$ (id, group, </a:t>
+            </a:r>
+            <a:r>
+              <a:rPr lang="en-US" dirty="0" err="1"/>
+              <a:t>lat</a:t>
+            </a:r>
+            <a:r>
+              <a:rPr lang="en-US" dirty="0"/>
+              <a:t>, </a:t>
+            </a:r>
+            <a:r>
+              <a:rPr lang="en-US" dirty="0" err="1"/>
+              <a:t>lng</a:t>
+            </a:r>
+            <a:r>
+              <a:rPr lang="en-US" dirty="0"/>
+              <a:t>)</a:t>
+            </a:r>
+          </a:p>
+          <a:p>
+            <a:r>
+              <a:rPr lang="en-US" dirty="0" err="1"/>
+              <a:t>input$leaflet_groups</a:t>
+            </a:r>
+            <a:r>
+              <a:rPr lang="en-US" dirty="0"/>
+              <a:t> (list)</a:t>
+            </a:r>
+          </a:p>
+        </p:txBody>
+      </p:sp>
+    </p:spTree>
+    <p:extLst>
+      <p:ext uri="{BB962C8B-B14F-4D97-AF65-F5344CB8AC3E}">
+        <p14:creationId xmlns:p14="http://schemas.microsoft.com/office/powerpoint/2010/main" val="2422922887"/>
+      </p:ext>
+    </p:extLst>
+  </p:cSld>
+  <p:clrMapOvr>
+    <a:masterClrMapping/>
+  </p:clrMapOvr>
+</p:sld>
+</file>
+
+<file path=ppt/slides/slide15.xml><?xml version="1.0" encoding="utf-8"?>
+<p:sld xmlns:a="http://schemas.openxmlformats.org/drawingml/2006/main" xmlns:r="http://schemas.openxmlformats.org/officeDocument/2006/relationships" xmlns:p="http://schemas.openxmlformats.org/presentationml/2006/main">
+  <p:cSld>
+    <p:spTree>
+      <p:nvGrpSpPr>
+        <p:cNvPr id="1" name=""/>
+        <p:cNvGrpSpPr/>
+        <p:nvPr/>
+      </p:nvGrpSpPr>
+      <p:grpSpPr>
+        <a:xfrm>
+          <a:off x="0" y="0"/>
+          <a:ext cx="0" cy="0"/>
+          <a:chOff x="0" y="0"/>
+          <a:chExt cx="0" cy="0"/>
+        </a:xfrm>
+      </p:grpSpPr>
+      <p:sp>
+        <p:nvSpPr>
+          <p:cNvPr id="2" name="Title 1">
+            <a:extLst>
+              <a:ext uri="{FF2B5EF4-FFF2-40B4-BE49-F238E27FC236}">
                 <a16:creationId xmlns:a16="http://schemas.microsoft.com/office/drawing/2014/main" id="{84E19C2E-D307-0E4E-9469-1BDB486B1CEB}"/>
               </a:ext>
             </a:extLst>
@@ -7550,7 +7634,7 @@
 </p:sld>
 </file>
 
-<file path=ppt/slides/slide15.xml><?xml version="1.0" encoding="utf-8"?>
+<file path=ppt/slides/slide16.xml><?xml version="1.0" encoding="utf-8"?>
 <p:sld xmlns:a="http://schemas.openxmlformats.org/drawingml/2006/main" xmlns:r="http://schemas.openxmlformats.org/officeDocument/2006/relationships" xmlns:p="http://schemas.openxmlformats.org/presentationml/2006/main">
   <p:cSld>
     <p:bg>
@@ -8040,7 +8124,7 @@
 </p:sld>
 </file>
 
-<file path=ppt/slides/slide16.xml><?xml version="1.0" encoding="utf-8"?>
+<file path=ppt/slides/slide17.xml><?xml version="1.0" encoding="utf-8"?>
 <p:sld xmlns:a="http://schemas.openxmlformats.org/drawingml/2006/main" xmlns:r="http://schemas.openxmlformats.org/officeDocument/2006/relationships" xmlns:p="http://schemas.openxmlformats.org/presentationml/2006/main">
   <p:cSld>
     <p:bg>
@@ -8530,7 +8614,7 @@
 </p:sld>
 </file>
 
-<file path=ppt/slides/slide17.xml><?xml version="1.0" encoding="utf-8"?>
+<file path=ppt/slides/slide18.xml><?xml version="1.0" encoding="utf-8"?>
 <p:sld xmlns:a="http://schemas.openxmlformats.org/drawingml/2006/main" xmlns:r="http://schemas.openxmlformats.org/officeDocument/2006/relationships" xmlns:p="http://schemas.openxmlformats.org/presentationml/2006/main">
   <p:cSld>
     <p:bg>
@@ -9020,7 +9104,7 @@
 </p:sld>
 </file>
 
-<file path=ppt/slides/slide18.xml><?xml version="1.0" encoding="utf-8"?>
+<file path=ppt/slides/slide19.xml><?xml version="1.0" encoding="utf-8"?>
 <p:sld xmlns:a="http://schemas.openxmlformats.org/drawingml/2006/main" xmlns:r="http://schemas.openxmlformats.org/officeDocument/2006/relationships" xmlns:p="http://schemas.openxmlformats.org/presentationml/2006/main">
   <p:cSld>
     <p:spTree>
@@ -9143,7 +9227,7 @@
           <p:cNvPr id="2" name="Title 1">
             <a:extLst>
               <a:ext uri="{FF2B5EF4-FFF2-40B4-BE49-F238E27FC236}">
-                <a16:creationId xmlns:a16="http://schemas.microsoft.com/office/drawing/2014/main" id="{38F6EA6F-FB14-B04D-9768-28C456F7A8E9}"/>
+                <a16:creationId xmlns:a16="http://schemas.microsoft.com/office/drawing/2014/main" id="{89AC25E8-EEA8-F049-B450-11C742C86507}"/>
               </a:ext>
             </a:extLst>
           </p:cNvPr>
@@ -9161,7 +9245,7 @@
           <a:p>
             <a:r>
               <a:rPr lang="en-US" dirty="0"/>
-              <a:t>Agenda</a:t>
+              <a:t>Next Week</a:t>
             </a:r>
           </a:p>
         </p:txBody>
@@ -9171,7 +9255,7 @@
           <p:cNvPr id="3" name="Content Placeholder 2">
             <a:extLst>
               <a:ext uri="{FF2B5EF4-FFF2-40B4-BE49-F238E27FC236}">
-                <a16:creationId xmlns:a16="http://schemas.microsoft.com/office/drawing/2014/main" id="{8A875008-7ECA-2A4D-BFC6-6413046F13E1}"/>
+                <a16:creationId xmlns:a16="http://schemas.microsoft.com/office/drawing/2014/main" id="{1C452073-3EBA-9447-9B55-3112B0641CF7}"/>
               </a:ext>
             </a:extLst>
           </p:cNvPr>
@@ -9179,70 +9263,7 @@
             <a:spLocks noGrp="1"/>
           </p:cNvSpPr>
           <p:nvPr>
-            <p:ph sz="half" idx="1"/>
-          </p:nvPr>
-        </p:nvSpPr>
-        <p:spPr/>
-        <p:txBody>
-          <a:bodyPr>
-            <a:normAutofit/>
-          </a:bodyPr>
-          <a:lstStyle/>
-          <a:p>
-            <a:r>
-              <a:rPr lang="en-US" dirty="0"/>
-              <a:t>Reactive Q&amp;A</a:t>
-            </a:r>
-          </a:p>
-          <a:p>
-            <a:r>
-              <a:rPr lang="en-US" dirty="0"/>
-              <a:t>Reactive Spatial Data</a:t>
-            </a:r>
-          </a:p>
-          <a:p>
-            <a:r>
-              <a:rPr lang="en-US" dirty="0" err="1"/>
-              <a:t>renderLeaflet</a:t>
-            </a:r>
-            <a:r>
-              <a:rPr lang="en-US" dirty="0"/>
-              <a:t>()</a:t>
-            </a:r>
-          </a:p>
-          <a:p>
-            <a:r>
-              <a:rPr lang="en-US" dirty="0"/>
-              <a:t>Leaflet Proxy</a:t>
-            </a:r>
-          </a:p>
-          <a:p>
-            <a:r>
-              <a:rPr lang="en-US" dirty="0"/>
-              <a:t>Remove</a:t>
-            </a:r>
-            <a:r>
-              <a:rPr lang="en-US"/>
-              <a:t>/Clear</a:t>
-            </a:r>
-            <a:endParaRPr lang="en-US" dirty="0"/>
-          </a:p>
-        </p:txBody>
-      </p:sp>
-      <p:sp>
-        <p:nvSpPr>
-          <p:cNvPr id="6" name="Content Placeholder 5">
-            <a:extLst>
-              <a:ext uri="{FF2B5EF4-FFF2-40B4-BE49-F238E27FC236}">
-                <a16:creationId xmlns:a16="http://schemas.microsoft.com/office/drawing/2014/main" id="{D4F8E8D3-7571-8F4A-98FC-21E3F0F737DB}"/>
-              </a:ext>
-            </a:extLst>
-          </p:cNvPr>
-          <p:cNvSpPr>
-            <a:spLocks noGrp="1"/>
-          </p:cNvSpPr>
-          <p:nvPr>
-            <p:ph sz="half" idx="2"/>
+            <p:ph idx="1"/>
           </p:nvPr>
         </p:nvSpPr>
         <p:spPr/>
@@ -9250,14 +9271,48 @@
           <a:bodyPr/>
           <a:lstStyle/>
           <a:p>
-            <a:endParaRPr lang="en-US"/>
+            <a:pPr marL="0" indent="0">
+              <a:buNone/>
+            </a:pPr>
+            <a:r>
+              <a:rPr lang="en-US" dirty="0"/>
+              <a:t>Install these packages for next week!</a:t>
+            </a:r>
+          </a:p>
+          <a:p>
+            <a:r>
+              <a:rPr lang="en-US" dirty="0" err="1"/>
+              <a:t>httr</a:t>
+            </a:r>
+            <a:endParaRPr lang="en-US" dirty="0"/>
+          </a:p>
+          <a:p>
+            <a:r>
+              <a:rPr lang="en-US" dirty="0" err="1"/>
+              <a:t>jsonlite</a:t>
+            </a:r>
+            <a:endParaRPr lang="en-US" dirty="0"/>
+          </a:p>
+          <a:p>
+            <a:r>
+              <a:rPr lang="en-US" dirty="0" err="1"/>
+              <a:t>purrr</a:t>
+            </a:r>
+            <a:endParaRPr lang="en-US" dirty="0"/>
+          </a:p>
+          <a:p>
+            <a:r>
+              <a:rPr lang="en-US"/>
+              <a:t>tibble</a:t>
+            </a:r>
+            <a:endParaRPr lang="en-US" dirty="0"/>
           </a:p>
         </p:txBody>
       </p:sp>
     </p:spTree>
     <p:extLst>
       <p:ext uri="{BB962C8B-B14F-4D97-AF65-F5344CB8AC3E}">
-        <p14:creationId xmlns:p14="http://schemas.microsoft.com/office/powerpoint/2010/main" val="4146018154"/>
+        <p14:creationId xmlns:p14="http://schemas.microsoft.com/office/powerpoint/2010/main" val="3107598017"/>
       </p:ext>
     </p:extLst>
   </p:cSld>
@@ -9286,6 +9341,152 @@
       </p:grpSpPr>
       <p:sp>
         <p:nvSpPr>
+          <p:cNvPr id="2" name="Title 1">
+            <a:extLst>
+              <a:ext uri="{FF2B5EF4-FFF2-40B4-BE49-F238E27FC236}">
+                <a16:creationId xmlns:a16="http://schemas.microsoft.com/office/drawing/2014/main" id="{38F6EA6F-FB14-B04D-9768-28C456F7A8E9}"/>
+              </a:ext>
+            </a:extLst>
+          </p:cNvPr>
+          <p:cNvSpPr>
+            <a:spLocks noGrp="1"/>
+          </p:cNvSpPr>
+          <p:nvPr>
+            <p:ph type="title"/>
+          </p:nvPr>
+        </p:nvSpPr>
+        <p:spPr/>
+        <p:txBody>
+          <a:bodyPr/>
+          <a:lstStyle/>
+          <a:p>
+            <a:r>
+              <a:rPr lang="en-US" dirty="0"/>
+              <a:t>Agenda</a:t>
+            </a:r>
+          </a:p>
+        </p:txBody>
+      </p:sp>
+      <p:sp>
+        <p:nvSpPr>
+          <p:cNvPr id="3" name="Content Placeholder 2">
+            <a:extLst>
+              <a:ext uri="{FF2B5EF4-FFF2-40B4-BE49-F238E27FC236}">
+                <a16:creationId xmlns:a16="http://schemas.microsoft.com/office/drawing/2014/main" id="{8A875008-7ECA-2A4D-BFC6-6413046F13E1}"/>
+              </a:ext>
+            </a:extLst>
+          </p:cNvPr>
+          <p:cNvSpPr>
+            <a:spLocks noGrp="1"/>
+          </p:cNvSpPr>
+          <p:nvPr>
+            <p:ph sz="half" idx="1"/>
+          </p:nvPr>
+        </p:nvSpPr>
+        <p:spPr/>
+        <p:txBody>
+          <a:bodyPr>
+            <a:normAutofit/>
+          </a:bodyPr>
+          <a:lstStyle/>
+          <a:p>
+            <a:r>
+              <a:rPr lang="en-US" dirty="0"/>
+              <a:t>Reactive Q&amp;A</a:t>
+            </a:r>
+          </a:p>
+          <a:p>
+            <a:r>
+              <a:rPr lang="en-US" dirty="0"/>
+              <a:t>Reactive Spatial Data</a:t>
+            </a:r>
+          </a:p>
+          <a:p>
+            <a:r>
+              <a:rPr lang="en-US" dirty="0" err="1"/>
+              <a:t>renderLeaflet</a:t>
+            </a:r>
+            <a:r>
+              <a:rPr lang="en-US" dirty="0"/>
+              <a:t>()</a:t>
+            </a:r>
+          </a:p>
+          <a:p>
+            <a:r>
+              <a:rPr lang="en-US" dirty="0"/>
+              <a:t>Leaflet Proxy</a:t>
+            </a:r>
+          </a:p>
+          <a:p>
+            <a:r>
+              <a:rPr lang="en-US" dirty="0"/>
+              <a:t>Remove</a:t>
+            </a:r>
+            <a:r>
+              <a:rPr lang="en-US"/>
+              <a:t>/Clear</a:t>
+            </a:r>
+            <a:endParaRPr lang="en-US" dirty="0"/>
+          </a:p>
+        </p:txBody>
+      </p:sp>
+      <p:sp>
+        <p:nvSpPr>
+          <p:cNvPr id="6" name="Content Placeholder 5">
+            <a:extLst>
+              <a:ext uri="{FF2B5EF4-FFF2-40B4-BE49-F238E27FC236}">
+                <a16:creationId xmlns:a16="http://schemas.microsoft.com/office/drawing/2014/main" id="{D4F8E8D3-7571-8F4A-98FC-21E3F0F737DB}"/>
+              </a:ext>
+            </a:extLst>
+          </p:cNvPr>
+          <p:cNvSpPr>
+            <a:spLocks noGrp="1"/>
+          </p:cNvSpPr>
+          <p:nvPr>
+            <p:ph sz="half" idx="2"/>
+          </p:nvPr>
+        </p:nvSpPr>
+        <p:spPr/>
+        <p:txBody>
+          <a:bodyPr/>
+          <a:lstStyle/>
+          <a:p>
+            <a:endParaRPr lang="en-US"/>
+          </a:p>
+        </p:txBody>
+      </p:sp>
+    </p:spTree>
+    <p:extLst>
+      <p:ext uri="{BB962C8B-B14F-4D97-AF65-F5344CB8AC3E}">
+        <p14:creationId xmlns:p14="http://schemas.microsoft.com/office/powerpoint/2010/main" val="4146018154"/>
+      </p:ext>
+    </p:extLst>
+  </p:cSld>
+  <p:clrMapOvr>
+    <a:masterClrMapping/>
+  </p:clrMapOvr>
+</p:sld>
+</file>
+
+<file path=ppt/slides/slide4.xml><?xml version="1.0" encoding="utf-8"?>
+<p:sld xmlns:a="http://schemas.openxmlformats.org/drawingml/2006/main" xmlns:r="http://schemas.openxmlformats.org/officeDocument/2006/relationships" xmlns:p="http://schemas.openxmlformats.org/presentationml/2006/main">
+  <p:cSld>
+    <p:spTree>
+      <p:nvGrpSpPr>
+        <p:cNvPr id="1" name=""/>
+        <p:cNvGrpSpPr/>
+        <p:nvPr/>
+      </p:nvGrpSpPr>
+      <p:grpSpPr>
+        <a:xfrm>
+          <a:off x="0" y="0"/>
+          <a:ext cx="0" cy="0"/>
+          <a:chOff x="0" y="0"/>
+          <a:chExt cx="0" cy="0"/>
+        </a:xfrm>
+      </p:grpSpPr>
+      <p:sp>
+        <p:nvSpPr>
           <p:cNvPr id="5" name="Title 4">
             <a:extLst>
               <a:ext uri="{FF2B5EF4-FFF2-40B4-BE49-F238E27FC236}">
@@ -9353,7 +9554,7 @@
 </p:sld>
 </file>
 
-<file path=ppt/slides/slide4.xml><?xml version="1.0" encoding="utf-8"?>
+<file path=ppt/slides/slide5.xml><?xml version="1.0" encoding="utf-8"?>
 <p:sld xmlns:a="http://schemas.openxmlformats.org/drawingml/2006/main" xmlns:r="http://schemas.openxmlformats.org/officeDocument/2006/relationships" xmlns:p="http://schemas.openxmlformats.org/presentationml/2006/main">
   <p:cSld>
     <p:bg>
@@ -9519,7 +9720,7 @@
 </p:sld>
 </file>
 
-<file path=ppt/slides/slide5.xml><?xml version="1.0" encoding="utf-8"?>
+<file path=ppt/slides/slide6.xml><?xml version="1.0" encoding="utf-8"?>
 <p:sld xmlns:a="http://schemas.openxmlformats.org/drawingml/2006/main" xmlns:r="http://schemas.openxmlformats.org/officeDocument/2006/relationships" xmlns:p="http://schemas.openxmlformats.org/presentationml/2006/main">
   <p:cSld>
     <p:spTree>
@@ -9612,7 +9813,7 @@
 </p:sld>
 </file>
 
-<file path=ppt/slides/slide6.xml><?xml version="1.0" encoding="utf-8"?>
+<file path=ppt/slides/slide7.xml><?xml version="1.0" encoding="utf-8"?>
 <p:sld xmlns:a="http://schemas.openxmlformats.org/drawingml/2006/main" xmlns:r="http://schemas.openxmlformats.org/officeDocument/2006/relationships" xmlns:p="http://schemas.openxmlformats.org/presentationml/2006/main">
   <p:cSld>
     <p:spTree>
@@ -9698,7 +9899,7 @@
 </p:sld>
 </file>
 
-<file path=ppt/slides/slide7.xml><?xml version="1.0" encoding="utf-8"?>
+<file path=ppt/slides/slide8.xml><?xml version="1.0" encoding="utf-8"?>
 <p:sld xmlns:a="http://schemas.openxmlformats.org/drawingml/2006/main" xmlns:r="http://schemas.openxmlformats.org/officeDocument/2006/relationships" xmlns:p="http://schemas.openxmlformats.org/presentationml/2006/main">
   <p:cSld>
     <p:bg>
@@ -10188,168 +10389,6 @@
 </p:sld>
 </file>
 
-<file path=ppt/slides/slide8.xml><?xml version="1.0" encoding="utf-8"?>
-<p:sld xmlns:a="http://schemas.openxmlformats.org/drawingml/2006/main" xmlns:r="http://schemas.openxmlformats.org/officeDocument/2006/relationships" xmlns:p="http://schemas.openxmlformats.org/presentationml/2006/main">
-  <p:cSld>
-    <p:spTree>
-      <p:nvGrpSpPr>
-        <p:cNvPr id="1" name=""/>
-        <p:cNvGrpSpPr/>
-        <p:nvPr/>
-      </p:nvGrpSpPr>
-      <p:grpSpPr>
-        <a:xfrm>
-          <a:off x="0" y="0"/>
-          <a:ext cx="0" cy="0"/>
-          <a:chOff x="0" y="0"/>
-          <a:chExt cx="0" cy="0"/>
-        </a:xfrm>
-      </p:grpSpPr>
-      <p:sp>
-        <p:nvSpPr>
-          <p:cNvPr id="2" name="Title 1">
-            <a:extLst>
-              <a:ext uri="{FF2B5EF4-FFF2-40B4-BE49-F238E27FC236}">
-                <a16:creationId xmlns:a16="http://schemas.microsoft.com/office/drawing/2014/main" id="{BA97E424-A139-EC43-B7BA-949809E526C5}"/>
-              </a:ext>
-            </a:extLst>
-          </p:cNvPr>
-          <p:cNvSpPr>
-            <a:spLocks noGrp="1"/>
-          </p:cNvSpPr>
-          <p:nvPr>
-            <p:ph type="title"/>
-          </p:nvPr>
-        </p:nvSpPr>
-        <p:spPr/>
-        <p:txBody>
-          <a:bodyPr/>
-          <a:lstStyle/>
-          <a:p>
-            <a:r>
-              <a:rPr lang="en-US" dirty="0"/>
-              <a:t>Pros and Cons</a:t>
-            </a:r>
-          </a:p>
-        </p:txBody>
-      </p:sp>
-      <p:sp>
-        <p:nvSpPr>
-          <p:cNvPr id="4" name="Content Placeholder 3">
-            <a:extLst>
-              <a:ext uri="{FF2B5EF4-FFF2-40B4-BE49-F238E27FC236}">
-                <a16:creationId xmlns:a16="http://schemas.microsoft.com/office/drawing/2014/main" id="{367FD439-BF59-C444-A906-DF7981A8215A}"/>
-              </a:ext>
-            </a:extLst>
-          </p:cNvPr>
-          <p:cNvSpPr>
-            <a:spLocks noGrp="1"/>
-          </p:cNvSpPr>
-          <p:nvPr>
-            <p:ph sz="half" idx="1"/>
-          </p:nvPr>
-        </p:nvSpPr>
-        <p:spPr/>
-        <p:txBody>
-          <a:bodyPr/>
-          <a:lstStyle/>
-          <a:p>
-            <a:r>
-              <a:rPr lang="en-US" dirty="0"/>
-              <a:t>Re-zooms the map to the selected data each time a selection is changed</a:t>
-            </a:r>
-          </a:p>
-          <a:p>
-            <a:r>
-              <a:rPr lang="en-US" dirty="0"/>
-              <a:t>You don’t have to use observers or figure out how </a:t>
-            </a:r>
-            <a:r>
-              <a:rPr lang="en-US" dirty="0" err="1"/>
-              <a:t>leafletProxy</a:t>
-            </a:r>
-            <a:r>
-              <a:rPr lang="en-US" dirty="0"/>
-              <a:t>() works</a:t>
-            </a:r>
-          </a:p>
-          <a:p>
-            <a:endParaRPr lang="en-US" dirty="0"/>
-          </a:p>
-        </p:txBody>
-      </p:sp>
-      <p:sp>
-        <p:nvSpPr>
-          <p:cNvPr id="5" name="Content Placeholder 4">
-            <a:extLst>
-              <a:ext uri="{FF2B5EF4-FFF2-40B4-BE49-F238E27FC236}">
-                <a16:creationId xmlns:a16="http://schemas.microsoft.com/office/drawing/2014/main" id="{51DFF8FF-122D-EC41-AA0A-58F3D119EEE8}"/>
-              </a:ext>
-            </a:extLst>
-          </p:cNvPr>
-          <p:cNvSpPr>
-            <a:spLocks noGrp="1"/>
-          </p:cNvSpPr>
-          <p:nvPr>
-            <p:ph sz="half" idx="2"/>
-          </p:nvPr>
-        </p:nvSpPr>
-        <p:spPr/>
-        <p:txBody>
-          <a:bodyPr/>
-          <a:lstStyle/>
-          <a:p>
-            <a:r>
-              <a:rPr lang="en-US" dirty="0"/>
-              <a:t>User options like </a:t>
-            </a:r>
-            <a:r>
-              <a:rPr lang="en-US" dirty="0" err="1"/>
-              <a:t>layerControls</a:t>
-            </a:r>
-            <a:r>
-              <a:rPr lang="en-US" dirty="0"/>
-              <a:t> </a:t>
-            </a:r>
-            <a:r>
-              <a:rPr lang="en-US" dirty="0" err="1"/>
-              <a:t>etc</a:t>
-            </a:r>
-            <a:r>
-              <a:rPr lang="en-US" dirty="0"/>
-              <a:t> will reset every time someone changes one of your filters</a:t>
-            </a:r>
-          </a:p>
-          <a:p>
-            <a:r>
-              <a:rPr lang="en-US" dirty="0"/>
-              <a:t>On a smaller machine this processing will tax the server a bit</a:t>
-            </a:r>
-          </a:p>
-          <a:p>
-            <a:r>
-              <a:rPr lang="en-US" dirty="0"/>
-              <a:t>Re-zooms the map to the selected data each time a selection is changed</a:t>
-            </a:r>
-          </a:p>
-          <a:p>
-            <a:endParaRPr lang="en-US" dirty="0"/>
-          </a:p>
-        </p:txBody>
-      </p:sp>
-    </p:spTree>
-    <p:extLst>
-      <p:ext uri="{BB962C8B-B14F-4D97-AF65-F5344CB8AC3E}">
-        <p14:creationId xmlns:p14="http://schemas.microsoft.com/office/powerpoint/2010/main" val="3753453889"/>
-      </p:ext>
-    </p:extLst>
-  </p:cSld>
-  <p:clrMapOvr>
-    <a:masterClrMapping/>
-  </p:clrMapOvr>
-</p:sld>
-</file>
-
 <file path=ppt/slides/slide9.xml><?xml version="1.0" encoding="utf-8"?>
 <p:sld xmlns:a="http://schemas.openxmlformats.org/drawingml/2006/main" xmlns:r="http://schemas.openxmlformats.org/officeDocument/2006/relationships" xmlns:p="http://schemas.openxmlformats.org/presentationml/2006/main">
   <p:cSld>
@@ -10369,10 +10408,10 @@
       </p:grpSpPr>
       <p:sp>
         <p:nvSpPr>
-          <p:cNvPr id="5" name="Title 4">
+          <p:cNvPr id="2" name="Title 1">
             <a:extLst>
               <a:ext uri="{FF2B5EF4-FFF2-40B4-BE49-F238E27FC236}">
-                <a16:creationId xmlns:a16="http://schemas.microsoft.com/office/drawing/2014/main" id="{B0D7F0F8-0651-FE43-B541-990E59E267AF}"/>
+                <a16:creationId xmlns:a16="http://schemas.microsoft.com/office/drawing/2014/main" id="{BA97E424-A139-EC43-B7BA-949809E526C5}"/>
               </a:ext>
             </a:extLst>
           </p:cNvPr>
@@ -10390,17 +10429,17 @@
           <a:p>
             <a:r>
               <a:rPr lang="en-US" dirty="0"/>
-              <a:t>Shiny Proxy</a:t>
+              <a:t>Pros and Cons</a:t>
             </a:r>
           </a:p>
         </p:txBody>
       </p:sp>
       <p:sp>
         <p:nvSpPr>
-          <p:cNvPr id="6" name="Text Placeholder 5">
+          <p:cNvPr id="4" name="Content Placeholder 3">
             <a:extLst>
               <a:ext uri="{FF2B5EF4-FFF2-40B4-BE49-F238E27FC236}">
-                <a16:creationId xmlns:a16="http://schemas.microsoft.com/office/drawing/2014/main" id="{3632D6D6-4FDA-9848-980D-5D27D95C79B3}"/>
+                <a16:creationId xmlns:a16="http://schemas.microsoft.com/office/drawing/2014/main" id="{367FD439-BF59-C444-A906-DF7981A8215A}"/>
               </a:ext>
             </a:extLst>
           </p:cNvPr>
@@ -10408,7 +10447,7 @@
             <a:spLocks noGrp="1"/>
           </p:cNvSpPr>
           <p:nvPr>
-            <p:ph type="body" idx="1"/>
+            <p:ph sz="half" idx="1"/>
           </p:nvPr>
         </p:nvSpPr>
         <p:spPr/>
@@ -10416,6 +10455,85 @@
           <a:bodyPr/>
           <a:lstStyle/>
           <a:p>
+            <a:r>
+              <a:rPr lang="en-US" dirty="0"/>
+              <a:t>Re-zooms the map to the selected data each time a selection is changed</a:t>
+            </a:r>
+          </a:p>
+          <a:p>
+            <a:r>
+              <a:rPr lang="en-US" dirty="0"/>
+              <a:t>You don’t have to use observers or figure out how </a:t>
+            </a:r>
+            <a:r>
+              <a:rPr lang="en-US" dirty="0" err="1"/>
+              <a:t>leafletProxy</a:t>
+            </a:r>
+            <a:r>
+              <a:rPr lang="en-US" dirty="0"/>
+              <a:t>() works</a:t>
+            </a:r>
+          </a:p>
+          <a:p>
+            <a:endParaRPr lang="en-US" dirty="0"/>
+          </a:p>
+        </p:txBody>
+      </p:sp>
+      <p:sp>
+        <p:nvSpPr>
+          <p:cNvPr id="5" name="Content Placeholder 4">
+            <a:extLst>
+              <a:ext uri="{FF2B5EF4-FFF2-40B4-BE49-F238E27FC236}">
+                <a16:creationId xmlns:a16="http://schemas.microsoft.com/office/drawing/2014/main" id="{51DFF8FF-122D-EC41-AA0A-58F3D119EEE8}"/>
+              </a:ext>
+            </a:extLst>
+          </p:cNvPr>
+          <p:cNvSpPr>
+            <a:spLocks noGrp="1"/>
+          </p:cNvSpPr>
+          <p:nvPr>
+            <p:ph sz="half" idx="2"/>
+          </p:nvPr>
+        </p:nvSpPr>
+        <p:spPr/>
+        <p:txBody>
+          <a:bodyPr/>
+          <a:lstStyle/>
+          <a:p>
+            <a:r>
+              <a:rPr lang="en-US" dirty="0"/>
+              <a:t>User options like </a:t>
+            </a:r>
+            <a:r>
+              <a:rPr lang="en-US" dirty="0" err="1"/>
+              <a:t>layerControls</a:t>
+            </a:r>
+            <a:r>
+              <a:rPr lang="en-US" dirty="0"/>
+              <a:t> </a:t>
+            </a:r>
+            <a:r>
+              <a:rPr lang="en-US" dirty="0" err="1"/>
+              <a:t>etc</a:t>
+            </a:r>
+            <a:r>
+              <a:rPr lang="en-US" dirty="0"/>
+              <a:t> will reset every time someone changes one of your filters</a:t>
+            </a:r>
+          </a:p>
+          <a:p>
+            <a:r>
+              <a:rPr lang="en-US" dirty="0"/>
+              <a:t>On a smaller machine this processing will tax the server a bit</a:t>
+            </a:r>
+          </a:p>
+          <a:p>
+            <a:r>
+              <a:rPr lang="en-US" dirty="0"/>
+              <a:t>Re-zooms the map to the selected data each time a selection is changed</a:t>
+            </a:r>
+          </a:p>
+          <a:p>
             <a:endParaRPr lang="en-US" dirty="0"/>
           </a:p>
         </p:txBody>
@@ -10423,7 +10541,7 @@
     </p:spTree>
     <p:extLst>
       <p:ext uri="{BB962C8B-B14F-4D97-AF65-F5344CB8AC3E}">
-        <p14:creationId xmlns:p14="http://schemas.microsoft.com/office/powerpoint/2010/main" val="1986544074"/>
+        <p14:creationId xmlns:p14="http://schemas.microsoft.com/office/powerpoint/2010/main" val="3753453889"/>
       </p:ext>
     </p:extLst>
   </p:cSld>
